--- a/2025/2025-01-24-AI-Updates.pptx
+++ b/2025/2025-01-24-AI-Updates.pptx
@@ -5,7 +5,7 @@
     <p:sldMasterId id="2147483661" r:id="rId1"/>
   </p:sldMasterIdLst>
   <p:notesMasterIdLst>
-    <p:notesMasterId r:id="rId15"/>
+    <p:notesMasterId r:id="rId17"/>
   </p:notesMasterIdLst>
   <p:sldIdLst>
     <p:sldId id="256" r:id="rId2"/>
@@ -21,16 +21,18 @@
     <p:sldId id="266" r:id="rId12"/>
     <p:sldId id="267" r:id="rId13"/>
     <p:sldId id="268" r:id="rId14"/>
+    <p:sldId id="269" r:id="rId15"/>
+    <p:sldId id="270" r:id="rId16"/>
   </p:sldIdLst>
   <p:sldSz cx="9144000" cy="5143500" type="screen16x9"/>
   <p:notesSz cx="6858000" cy="9144000"/>
   <p:embeddedFontLst>
     <p:embeddedFont>
       <p:font typeface="Victor Mono" panose="02000009000000000000" pitchFamily="49" charset="0"/>
-      <p:regular r:id="rId16"/>
-      <p:bold r:id="rId17"/>
-      <p:italic r:id="rId18"/>
-      <p:boldItalic r:id="rId19"/>
+      <p:regular r:id="rId18"/>
+      <p:bold r:id="rId19"/>
+      <p:italic r:id="rId20"/>
+      <p:boldItalic r:id="rId21"/>
     </p:embeddedFont>
   </p:embeddedFontLst>
   <p:defaultTextStyle>
@@ -971,7 +973,7 @@
   <p:cSld>
     <p:spTree>
       <p:nvGrpSpPr>
-        <p:cNvPr id="1" name="Shape 161"/>
+        <p:cNvPr id="1" name="Shape 162"/>
         <p:cNvGrpSpPr/>
         <p:nvPr/>
       </p:nvGrpSpPr>
@@ -985,7 +987,7 @@
       </p:grpSpPr>
       <p:sp>
         <p:nvSpPr>
-          <p:cNvPr id="162" name="Google Shape;162;g2f03ac7ac9f_0_5:notes"/>
+          <p:cNvPr id="163" name="Google Shape;163;g2d8298357e0_1_4:notes"/>
           <p:cNvSpPr>
             <a:spLocks noGrp="1" noRot="1" noChangeAspect="1"/>
           </p:cNvSpPr>
@@ -1036,7 +1038,7 @@
       </p:sp>
       <p:sp>
         <p:nvSpPr>
-          <p:cNvPr id="163" name="Google Shape;163;g2f03ac7ac9f_0_5:notes"/>
+          <p:cNvPr id="164" name="Google Shape;164;g2d8298357e0_1_4:notes"/>
           <p:cNvSpPr txBox="1">
             <a:spLocks noGrp="1"/>
           </p:cNvSpPr>
@@ -1093,7 +1095,7 @@
   <p:cSld>
     <p:spTree>
       <p:nvGrpSpPr>
-        <p:cNvPr id="1" name="Shape 219"/>
+        <p:cNvPr id="1" name="Shape 170"/>
         <p:cNvGrpSpPr/>
         <p:nvPr/>
       </p:nvGrpSpPr>
@@ -1107,7 +1109,7 @@
       </p:grpSpPr>
       <p:sp>
         <p:nvSpPr>
-          <p:cNvPr id="220" name="Google Shape;220;g2d75751d1d0_2_9:notes"/>
+          <p:cNvPr id="171" name="Google Shape;171;g3281aa48422_1_5:notes"/>
           <p:cNvSpPr>
             <a:spLocks noGrp="1" noRot="1" noChangeAspect="1"/>
           </p:cNvSpPr>
@@ -1158,7 +1160,7 @@
       </p:sp>
       <p:sp>
         <p:nvSpPr>
-          <p:cNvPr id="221" name="Google Shape;221;g2d75751d1d0_2_9:notes"/>
+          <p:cNvPr id="172" name="Google Shape;172;g3281aa48422_1_5:notes"/>
           <p:cNvSpPr txBox="1">
             <a:spLocks noGrp="1"/>
           </p:cNvSpPr>
@@ -1215,7 +1217,7 @@
   <p:cSld>
     <p:spTree>
       <p:nvGrpSpPr>
-        <p:cNvPr id="1" name="Shape 228"/>
+        <p:cNvPr id="1" name="Shape 177"/>
         <p:cNvGrpSpPr/>
         <p:nvPr/>
       </p:nvGrpSpPr>
@@ -1229,7 +1231,251 @@
       </p:grpSpPr>
       <p:sp>
         <p:nvSpPr>
-          <p:cNvPr id="229" name="Google Shape;229;p22:notes"/>
+          <p:cNvPr id="178" name="Google Shape;178;g2f03ac7ac9f_0_5:notes"/>
+          <p:cNvSpPr>
+            <a:spLocks noGrp="1" noRot="1" noChangeAspect="1"/>
+          </p:cNvSpPr>
+          <p:nvPr>
+            <p:ph type="sldImg" idx="2"/>
+          </p:nvPr>
+        </p:nvSpPr>
+        <p:spPr>
+          <a:xfrm>
+            <a:off x="381300" y="685800"/>
+            <a:ext cx="6096000" cy="3429000"/>
+          </a:xfrm>
+          <a:custGeom>
+            <a:avLst/>
+            <a:gdLst/>
+            <a:ahLst/>
+            <a:cxnLst/>
+            <a:rect l="l" t="t" r="r" b="b"/>
+            <a:pathLst>
+              <a:path w="120000" h="120000" extrusionOk="0">
+                <a:moveTo>
+                  <a:pt x="0" y="0"/>
+                </a:moveTo>
+                <a:lnTo>
+                  <a:pt x="120000" y="0"/>
+                </a:lnTo>
+                <a:lnTo>
+                  <a:pt x="120000" y="120000"/>
+                </a:lnTo>
+                <a:lnTo>
+                  <a:pt x="0" y="120000"/>
+                </a:lnTo>
+                <a:close/>
+              </a:path>
+            </a:pathLst>
+          </a:custGeom>
+          <a:noFill/>
+          <a:ln w="9525" cap="flat" cmpd="sng">
+            <a:solidFill>
+              <a:srgbClr val="000000"/>
+            </a:solidFill>
+            <a:prstDash val="solid"/>
+            <a:round/>
+            <a:headEnd type="none" w="sm" len="sm"/>
+            <a:tailEnd type="none" w="sm" len="sm"/>
+          </a:ln>
+        </p:spPr>
+      </p:sp>
+      <p:sp>
+        <p:nvSpPr>
+          <p:cNvPr id="179" name="Google Shape;179;g2f03ac7ac9f_0_5:notes"/>
+          <p:cNvSpPr txBox="1">
+            <a:spLocks noGrp="1"/>
+          </p:cNvSpPr>
+          <p:nvPr>
+            <p:ph type="body" idx="1"/>
+          </p:nvPr>
+        </p:nvSpPr>
+        <p:spPr>
+          <a:xfrm>
+            <a:off x="685800" y="4343400"/>
+            <a:ext cx="5486400" cy="4114800"/>
+          </a:xfrm>
+          <a:prstGeom prst="rect">
+            <a:avLst/>
+          </a:prstGeom>
+          <a:noFill/>
+          <a:ln>
+            <a:noFill/>
+          </a:ln>
+        </p:spPr>
+        <p:txBody>
+          <a:bodyPr spcFirstLastPara="1" wrap="square" lIns="91425" tIns="91425" rIns="91425" bIns="91425" anchor="t" anchorCtr="0">
+            <a:noAutofit/>
+          </a:bodyPr>
+          <a:lstStyle/>
+          <a:p>
+            <a:pPr marL="0" lvl="0" indent="0" algn="l" rtl="0">
+              <a:lnSpc>
+                <a:spcPct val="100000"/>
+              </a:lnSpc>
+              <a:spcBef>
+                <a:spcPts val="0"/>
+              </a:spcBef>
+              <a:spcAft>
+                <a:spcPts val="0"/>
+              </a:spcAft>
+              <a:buSzPts val="1100"/>
+              <a:buNone/>
+            </a:pPr>
+            <a:endParaRPr/>
+          </a:p>
+        </p:txBody>
+      </p:sp>
+    </p:spTree>
+  </p:cSld>
+  <p:clrMapOvr>
+    <a:masterClrMapping/>
+  </p:clrMapOvr>
+</p:notes>
+</file>
+
+<file path=ppt/notesSlides/notesSlide13.xml><?xml version="1.0" encoding="utf-8"?>
+<p:notes xmlns:a="http://schemas.openxmlformats.org/drawingml/2006/main" xmlns:r="http://schemas.openxmlformats.org/officeDocument/2006/relationships" xmlns:p="http://schemas.openxmlformats.org/presentationml/2006/main" showMasterSp="0" showMasterPhAnim="0">
+  <p:cSld>
+    <p:spTree>
+      <p:nvGrpSpPr>
+        <p:cNvPr id="1" name="Shape 235"/>
+        <p:cNvGrpSpPr/>
+        <p:nvPr/>
+      </p:nvGrpSpPr>
+      <p:grpSpPr>
+        <a:xfrm>
+          <a:off x="0" y="0"/>
+          <a:ext cx="0" cy="0"/>
+          <a:chOff x="0" y="0"/>
+          <a:chExt cx="0" cy="0"/>
+        </a:xfrm>
+      </p:grpSpPr>
+      <p:sp>
+        <p:nvSpPr>
+          <p:cNvPr id="236" name="Google Shape;236;g2d75751d1d0_2_9:notes"/>
+          <p:cNvSpPr>
+            <a:spLocks noGrp="1" noRot="1" noChangeAspect="1"/>
+          </p:cNvSpPr>
+          <p:nvPr>
+            <p:ph type="sldImg" idx="2"/>
+          </p:nvPr>
+        </p:nvSpPr>
+        <p:spPr>
+          <a:xfrm>
+            <a:off x="381300" y="685800"/>
+            <a:ext cx="6096000" cy="3429000"/>
+          </a:xfrm>
+          <a:custGeom>
+            <a:avLst/>
+            <a:gdLst/>
+            <a:ahLst/>
+            <a:cxnLst/>
+            <a:rect l="l" t="t" r="r" b="b"/>
+            <a:pathLst>
+              <a:path w="120000" h="120000" extrusionOk="0">
+                <a:moveTo>
+                  <a:pt x="0" y="0"/>
+                </a:moveTo>
+                <a:lnTo>
+                  <a:pt x="120000" y="0"/>
+                </a:lnTo>
+                <a:lnTo>
+                  <a:pt x="120000" y="120000"/>
+                </a:lnTo>
+                <a:lnTo>
+                  <a:pt x="0" y="120000"/>
+                </a:lnTo>
+                <a:close/>
+              </a:path>
+            </a:pathLst>
+          </a:custGeom>
+          <a:noFill/>
+          <a:ln w="9525" cap="flat" cmpd="sng">
+            <a:solidFill>
+              <a:srgbClr val="000000"/>
+            </a:solidFill>
+            <a:prstDash val="solid"/>
+            <a:round/>
+            <a:headEnd type="none" w="sm" len="sm"/>
+            <a:tailEnd type="none" w="sm" len="sm"/>
+          </a:ln>
+        </p:spPr>
+      </p:sp>
+      <p:sp>
+        <p:nvSpPr>
+          <p:cNvPr id="237" name="Google Shape;237;g2d75751d1d0_2_9:notes"/>
+          <p:cNvSpPr txBox="1">
+            <a:spLocks noGrp="1"/>
+          </p:cNvSpPr>
+          <p:nvPr>
+            <p:ph type="body" idx="1"/>
+          </p:nvPr>
+        </p:nvSpPr>
+        <p:spPr>
+          <a:xfrm>
+            <a:off x="685800" y="4343400"/>
+            <a:ext cx="5486400" cy="4114800"/>
+          </a:xfrm>
+          <a:prstGeom prst="rect">
+            <a:avLst/>
+          </a:prstGeom>
+          <a:noFill/>
+          <a:ln>
+            <a:noFill/>
+          </a:ln>
+        </p:spPr>
+        <p:txBody>
+          <a:bodyPr spcFirstLastPara="1" wrap="square" lIns="91425" tIns="91425" rIns="91425" bIns="91425" anchor="t" anchorCtr="0">
+            <a:noAutofit/>
+          </a:bodyPr>
+          <a:lstStyle/>
+          <a:p>
+            <a:pPr marL="0" lvl="0" indent="0" algn="l" rtl="0">
+              <a:lnSpc>
+                <a:spcPct val="100000"/>
+              </a:lnSpc>
+              <a:spcBef>
+                <a:spcPts val="0"/>
+              </a:spcBef>
+              <a:spcAft>
+                <a:spcPts val="0"/>
+              </a:spcAft>
+              <a:buSzPts val="1100"/>
+              <a:buNone/>
+            </a:pPr>
+            <a:endParaRPr/>
+          </a:p>
+        </p:txBody>
+      </p:sp>
+    </p:spTree>
+  </p:cSld>
+  <p:clrMapOvr>
+    <a:masterClrMapping/>
+  </p:clrMapOvr>
+</p:notes>
+</file>
+
+<file path=ppt/notesSlides/notesSlide14.xml><?xml version="1.0" encoding="utf-8"?>
+<p:notes xmlns:a="http://schemas.openxmlformats.org/drawingml/2006/main" xmlns:r="http://schemas.openxmlformats.org/officeDocument/2006/relationships" xmlns:p="http://schemas.openxmlformats.org/presentationml/2006/main" showMasterSp="0" showMasterPhAnim="0">
+  <p:cSld>
+    <p:spTree>
+      <p:nvGrpSpPr>
+        <p:cNvPr id="1" name="Shape 248"/>
+        <p:cNvGrpSpPr/>
+        <p:nvPr/>
+      </p:nvGrpSpPr>
+      <p:grpSpPr>
+        <a:xfrm>
+          <a:off x="0" y="0"/>
+          <a:ext cx="0" cy="0"/>
+          <a:chOff x="0" y="0"/>
+          <a:chExt cx="0" cy="0"/>
+        </a:xfrm>
+      </p:grpSpPr>
+      <p:sp>
+        <p:nvSpPr>
+          <p:cNvPr id="249" name="Google Shape;249;p22:notes"/>
           <p:cNvSpPr>
             <a:spLocks noGrp="1" noRot="1" noChangeAspect="1"/>
           </p:cNvSpPr>
@@ -1280,7 +1526,7 @@
       </p:sp>
       <p:sp>
         <p:nvSpPr>
-          <p:cNvPr id="230" name="Google Shape;230;p22:notes"/>
+          <p:cNvPr id="250" name="Google Shape;250;p22:notes"/>
           <p:cNvSpPr txBox="1">
             <a:spLocks noGrp="1"/>
           </p:cNvSpPr>
@@ -1332,12 +1578,12 @@
 </p:notes>
 </file>
 
-<file path=ppt/notesSlides/notesSlide13.xml><?xml version="1.0" encoding="utf-8"?>
+<file path=ppt/notesSlides/notesSlide15.xml><?xml version="1.0" encoding="utf-8"?>
 <p:notes xmlns:a="http://schemas.openxmlformats.org/drawingml/2006/main" xmlns:r="http://schemas.openxmlformats.org/officeDocument/2006/relationships" xmlns:p="http://schemas.openxmlformats.org/presentationml/2006/main" showMasterSp="0" showMasterPhAnim="0">
   <p:cSld>
     <p:spTree>
       <p:nvGrpSpPr>
-        <p:cNvPr id="1" name="Shape 238"/>
+        <p:cNvPr id="1" name="Shape 258"/>
         <p:cNvGrpSpPr/>
         <p:nvPr/>
       </p:nvGrpSpPr>
@@ -1351,7 +1597,7 @@
       </p:grpSpPr>
       <p:sp>
         <p:nvSpPr>
-          <p:cNvPr id="239" name="Google Shape;239;p23:notes"/>
+          <p:cNvPr id="259" name="Google Shape;259;p23:notes"/>
           <p:cNvSpPr>
             <a:spLocks noGrp="1" noRot="1" noChangeAspect="1"/>
           </p:cNvSpPr>
@@ -1402,7 +1648,7 @@
       </p:sp>
       <p:sp>
         <p:nvSpPr>
-          <p:cNvPr id="240" name="Google Shape;240;p23:notes"/>
+          <p:cNvPr id="260" name="Google Shape;260;p23:notes"/>
           <p:cNvSpPr txBox="1">
             <a:spLocks noGrp="1"/>
           </p:cNvSpPr>
@@ -2205,7 +2451,7 @@
       </p:grpSpPr>
       <p:sp>
         <p:nvSpPr>
-          <p:cNvPr id="139" name="Google Shape;139;g32813e4827a_0_82:notes"/>
+          <p:cNvPr id="139" name="Google Shape;139;g3281e410c1e_0_0:notes"/>
           <p:cNvSpPr>
             <a:spLocks noGrp="1" noRot="1" noChangeAspect="1"/>
           </p:cNvSpPr>
@@ -2256,7 +2502,7 @@
       </p:sp>
       <p:sp>
         <p:nvSpPr>
-          <p:cNvPr id="140" name="Google Shape;140;g32813e4827a_0_82:notes"/>
+          <p:cNvPr id="140" name="Google Shape;140;g3281e410c1e_0_0:notes"/>
           <p:cNvSpPr txBox="1">
             <a:spLocks noGrp="1"/>
           </p:cNvSpPr>
@@ -2313,7 +2559,7 @@
   <p:cSld>
     <p:spTree>
       <p:nvGrpSpPr>
-        <p:cNvPr id="1" name="Shape 154"/>
+        <p:cNvPr id="1" name="Shape 145"/>
         <p:cNvGrpSpPr/>
         <p:nvPr/>
       </p:nvGrpSpPr>
@@ -2327,7 +2573,7 @@
       </p:grpSpPr>
       <p:sp>
         <p:nvSpPr>
-          <p:cNvPr id="155" name="Google Shape;155;g3281aa48422_1_5:notes"/>
+          <p:cNvPr id="146" name="Google Shape;146;g32813e4827a_0_82:notes"/>
           <p:cNvSpPr>
             <a:spLocks noGrp="1" noRot="1" noChangeAspect="1"/>
           </p:cNvSpPr>
@@ -2378,7 +2624,7 @@
       </p:sp>
       <p:sp>
         <p:nvSpPr>
-          <p:cNvPr id="156" name="Google Shape;156;g3281aa48422_1_5:notes"/>
+          <p:cNvPr id="147" name="Google Shape;147;g32813e4827a_0_82:notes"/>
           <p:cNvSpPr txBox="1">
             <a:spLocks noGrp="1"/>
           </p:cNvSpPr>
@@ -12370,7 +12616,7 @@
         <p:spPr>
           <a:xfrm>
             <a:off x="4620152" y="1114621"/>
-            <a:ext cx="4420200" cy="2154900"/>
+            <a:ext cx="4420200" cy="2401200"/>
           </a:xfrm>
           <a:prstGeom prst="rect">
             <a:avLst/>
@@ -12491,6 +12737,43 @@
                 <a:sym typeface="Calibri"/>
               </a:rPr>
               <a:t>Cline 3.2 AI Coding Assistant</a:t>
+            </a:r>
+            <a:endParaRPr sz="1600" b="1">
+              <a:solidFill>
+                <a:srgbClr val="3C78D8"/>
+              </a:solidFill>
+              <a:latin typeface="Calibri"/>
+              <a:ea typeface="Calibri"/>
+              <a:cs typeface="Calibri"/>
+              <a:sym typeface="Calibri"/>
+            </a:endParaRPr>
+          </a:p>
+          <a:p>
+            <a:pPr marL="228600" lvl="0" indent="-215900" algn="l" rtl="0">
+              <a:spcBef>
+                <a:spcPts val="0"/>
+              </a:spcBef>
+              <a:spcAft>
+                <a:spcPts val="0"/>
+              </a:spcAft>
+              <a:buClr>
+                <a:srgbClr val="3C78D8"/>
+              </a:buClr>
+              <a:buSzPts val="1600"/>
+              <a:buFont typeface="Calibri"/>
+              <a:buChar char="●"/>
+            </a:pPr>
+            <a:r>
+              <a:rPr lang="en" sz="1600" b="1">
+                <a:solidFill>
+                  <a:srgbClr val="3C78D8"/>
+                </a:solidFill>
+                <a:latin typeface="Calibri"/>
+                <a:ea typeface="Calibri"/>
+                <a:cs typeface="Calibri"/>
+                <a:sym typeface="Calibri"/>
+              </a:rPr>
+              <a:t>Google Mind Evolution</a:t>
             </a:r>
             <a:endParaRPr sz="1600" b="1">
               <a:solidFill>
@@ -12792,7 +13075,7 @@
   <p:cSld>
     <p:spTree>
       <p:nvGrpSpPr>
-        <p:cNvPr id="1" name="Shape 164"/>
+        <p:cNvPr id="1" name="Shape 165"/>
         <p:cNvGrpSpPr/>
         <p:nvPr/>
       </p:nvGrpSpPr>
@@ -12806,7 +13089,1612 @@
       </p:grpSpPr>
       <p:sp>
         <p:nvSpPr>
-          <p:cNvPr id="165" name="Google Shape;165;p24"/>
+          <p:cNvPr id="166" name="Google Shape;166;p24"/>
+          <p:cNvSpPr txBox="1"/>
+          <p:nvPr/>
+        </p:nvSpPr>
+        <p:spPr>
+          <a:xfrm>
+            <a:off x="55075" y="-23450"/>
+            <a:ext cx="4975500" cy="326400"/>
+          </a:xfrm>
+          <a:prstGeom prst="rect">
+            <a:avLst/>
+          </a:prstGeom>
+          <a:noFill/>
+          <a:ln>
+            <a:noFill/>
+          </a:ln>
+        </p:spPr>
+        <p:txBody>
+          <a:bodyPr spcFirstLastPara="1" wrap="square" lIns="9125" tIns="9125" rIns="9125" bIns="9125" anchor="t" anchorCtr="0">
+            <a:spAutoFit/>
+          </a:bodyPr>
+          <a:lstStyle/>
+          <a:p>
+            <a:pPr marL="0" lvl="0" indent="0" algn="l" rtl="0">
+              <a:spcBef>
+                <a:spcPts val="0"/>
+              </a:spcBef>
+              <a:spcAft>
+                <a:spcPts val="0"/>
+              </a:spcAft>
+              <a:buClr>
+                <a:schemeClr val="dk1"/>
+              </a:buClr>
+              <a:buSzPts val="1100"/>
+              <a:buFont typeface="Arial"/>
+              <a:buNone/>
+            </a:pPr>
+            <a:r>
+              <a:rPr lang="en" sz="2000" b="1">
+                <a:solidFill>
+                  <a:schemeClr val="dk1"/>
+                </a:solidFill>
+                <a:latin typeface="Calibri"/>
+                <a:ea typeface="Calibri"/>
+                <a:cs typeface="Calibri"/>
+                <a:sym typeface="Calibri"/>
+              </a:rPr>
+              <a:t>Hyperlight Wasm microVM </a:t>
+            </a:r>
+            <a:endParaRPr sz="2000" b="1">
+              <a:solidFill>
+                <a:schemeClr val="dk1"/>
+              </a:solidFill>
+              <a:latin typeface="Calibri"/>
+              <a:ea typeface="Calibri"/>
+              <a:cs typeface="Calibri"/>
+              <a:sym typeface="Calibri"/>
+            </a:endParaRPr>
+          </a:p>
+        </p:txBody>
+      </p:sp>
+      <p:sp>
+        <p:nvSpPr>
+          <p:cNvPr id="167" name="Google Shape;167;p24"/>
+          <p:cNvSpPr txBox="1"/>
+          <p:nvPr/>
+        </p:nvSpPr>
+        <p:spPr>
+          <a:xfrm>
+            <a:off x="55085" y="387677"/>
+            <a:ext cx="4056000" cy="2742900"/>
+          </a:xfrm>
+          <a:prstGeom prst="rect">
+            <a:avLst/>
+          </a:prstGeom>
+          <a:solidFill>
+            <a:srgbClr val="FFF2CC"/>
+          </a:solidFill>
+          <a:ln w="9525" cap="flat" cmpd="sng">
+            <a:solidFill>
+              <a:srgbClr val="FF0000"/>
+            </a:solidFill>
+            <a:prstDash val="solid"/>
+            <a:round/>
+            <a:headEnd type="none" w="sm" len="sm"/>
+            <a:tailEnd type="none" w="sm" len="sm"/>
+          </a:ln>
+        </p:spPr>
+        <p:txBody>
+          <a:bodyPr spcFirstLastPara="1" wrap="square" lIns="9125" tIns="9125" rIns="9125" bIns="9125" anchor="t" anchorCtr="0">
+            <a:spAutoFit/>
+          </a:bodyPr>
+          <a:lstStyle/>
+          <a:p>
+            <a:pPr marL="0" lvl="0" indent="0" algn="l" rtl="0">
+              <a:spcBef>
+                <a:spcPts val="0"/>
+              </a:spcBef>
+              <a:spcAft>
+                <a:spcPts val="0"/>
+              </a:spcAft>
+              <a:buNone/>
+            </a:pPr>
+            <a:r>
+              <a:rPr lang="en" sz="1200" b="1">
+                <a:solidFill>
+                  <a:srgbClr val="FF0000"/>
+                </a:solidFill>
+                <a:latin typeface="Calibri"/>
+                <a:ea typeface="Calibri"/>
+                <a:cs typeface="Calibri"/>
+                <a:sym typeface="Calibri"/>
+              </a:rPr>
+              <a:t>Hyperlight</a:t>
+            </a:r>
+            <a:r>
+              <a:rPr lang="en" sz="1200">
+                <a:solidFill>
+                  <a:schemeClr val="dk1"/>
+                </a:solidFill>
+                <a:latin typeface="Calibri"/>
+                <a:ea typeface="Calibri"/>
+                <a:cs typeface="Calibri"/>
+                <a:sym typeface="Calibri"/>
+              </a:rPr>
+              <a:t> is an </a:t>
+            </a:r>
+            <a:r>
+              <a:rPr lang="en" sz="1200" b="1">
+                <a:solidFill>
+                  <a:srgbClr val="FF0000"/>
+                </a:solidFill>
+                <a:latin typeface="Calibri"/>
+                <a:ea typeface="Calibri"/>
+                <a:cs typeface="Calibri"/>
+                <a:sym typeface="Calibri"/>
+              </a:rPr>
+              <a:t>open source</a:t>
+            </a:r>
+            <a:r>
+              <a:rPr lang="en" sz="1200">
+                <a:solidFill>
+                  <a:schemeClr val="dk1"/>
+                </a:solidFill>
+                <a:latin typeface="Calibri"/>
+                <a:ea typeface="Calibri"/>
+                <a:cs typeface="Calibri"/>
+                <a:sym typeface="Calibri"/>
+              </a:rPr>
+              <a:t> </a:t>
+            </a:r>
+            <a:r>
+              <a:rPr lang="en" sz="1200" b="1">
+                <a:solidFill>
+                  <a:srgbClr val="FF0000"/>
+                </a:solidFill>
+                <a:latin typeface="Calibri"/>
+                <a:ea typeface="Calibri"/>
+                <a:cs typeface="Calibri"/>
+                <a:sym typeface="Calibri"/>
+              </a:rPr>
+              <a:t>Rust</a:t>
+            </a:r>
+            <a:r>
+              <a:rPr lang="en" sz="1200">
+                <a:solidFill>
+                  <a:schemeClr val="dk1"/>
+                </a:solidFill>
+                <a:latin typeface="Calibri"/>
+                <a:ea typeface="Calibri"/>
+                <a:cs typeface="Calibri"/>
+                <a:sym typeface="Calibri"/>
+              </a:rPr>
+              <a:t> library allowing to create small virtual machines </a:t>
+            </a:r>
+            <a:r>
+              <a:rPr lang="en" sz="1200" b="1">
+                <a:solidFill>
+                  <a:srgbClr val="3C78D8"/>
+                </a:solidFill>
+                <a:latin typeface="Calibri"/>
+                <a:ea typeface="Calibri"/>
+                <a:cs typeface="Calibri"/>
+                <a:sym typeface="Calibri"/>
+              </a:rPr>
+              <a:t>microVM</a:t>
+            </a:r>
+            <a:r>
+              <a:rPr lang="en" sz="1200">
+                <a:solidFill>
+                  <a:schemeClr val="dk1"/>
+                </a:solidFill>
+                <a:latin typeface="Calibri"/>
+                <a:ea typeface="Calibri"/>
+                <a:cs typeface="Calibri"/>
+                <a:sym typeface="Calibri"/>
+              </a:rPr>
+              <a:t> (</a:t>
+            </a:r>
+            <a:r>
+              <a:rPr lang="en" sz="1200" b="1">
+                <a:solidFill>
+                  <a:srgbClr val="6AA84F"/>
+                </a:solidFill>
+                <a:latin typeface="Calibri"/>
+                <a:ea typeface="Calibri"/>
+                <a:cs typeface="Calibri"/>
+                <a:sym typeface="Calibri"/>
+              </a:rPr>
+              <a:t>micro Virtual Machines</a:t>
+            </a:r>
+            <a:r>
+              <a:rPr lang="en" sz="1200">
+                <a:solidFill>
+                  <a:schemeClr val="dk1"/>
+                </a:solidFill>
+                <a:latin typeface="Calibri"/>
+                <a:ea typeface="Calibri"/>
+                <a:cs typeface="Calibri"/>
+                <a:sym typeface="Calibri"/>
+              </a:rPr>
+              <a:t>) which can start in 1-2 milliseconds, which is 100 times faster than traditional VM or container</a:t>
+            </a:r>
+            <a:endParaRPr sz="1200">
+              <a:solidFill>
+                <a:schemeClr val="dk1"/>
+              </a:solidFill>
+              <a:latin typeface="Calibri"/>
+              <a:ea typeface="Calibri"/>
+              <a:cs typeface="Calibri"/>
+              <a:sym typeface="Calibri"/>
+            </a:endParaRPr>
+          </a:p>
+          <a:p>
+            <a:pPr marL="0" lvl="0" indent="0" algn="l" rtl="0">
+              <a:spcBef>
+                <a:spcPts val="0"/>
+              </a:spcBef>
+              <a:spcAft>
+                <a:spcPts val="0"/>
+              </a:spcAft>
+              <a:buNone/>
+            </a:pPr>
+            <a:endParaRPr sz="1200">
+              <a:solidFill>
+                <a:schemeClr val="dk1"/>
+              </a:solidFill>
+              <a:latin typeface="Calibri"/>
+              <a:ea typeface="Calibri"/>
+              <a:cs typeface="Calibri"/>
+              <a:sym typeface="Calibri"/>
+            </a:endParaRPr>
+          </a:p>
+          <a:p>
+            <a:pPr marL="0" lvl="0" indent="0" algn="l" rtl="0">
+              <a:spcBef>
+                <a:spcPts val="0"/>
+              </a:spcBef>
+              <a:spcAft>
+                <a:spcPts val="0"/>
+              </a:spcAft>
+              <a:buNone/>
+            </a:pPr>
+            <a:r>
+              <a:rPr lang="en" sz="1200" u="sng">
+                <a:solidFill>
+                  <a:schemeClr val="hlink"/>
+                </a:solidFill>
+                <a:latin typeface="Calibri"/>
+                <a:ea typeface="Calibri"/>
+                <a:cs typeface="Calibri"/>
+                <a:sym typeface="Calibri"/>
+                <a:hlinkClick r:id="rId3"/>
+              </a:rPr>
+              <a:t>https://github.com/hyperlight-dev/hyperlight</a:t>
+            </a:r>
+            <a:r>
+              <a:rPr lang="en" sz="1200">
+                <a:solidFill>
+                  <a:schemeClr val="dk1"/>
+                </a:solidFill>
+                <a:latin typeface="Calibri"/>
+                <a:ea typeface="Calibri"/>
+                <a:cs typeface="Calibri"/>
+                <a:sym typeface="Calibri"/>
+              </a:rPr>
+              <a:t> - GitHub - code and instructions to run</a:t>
+            </a:r>
+            <a:endParaRPr sz="1200">
+              <a:solidFill>
+                <a:schemeClr val="dk1"/>
+              </a:solidFill>
+              <a:latin typeface="Calibri"/>
+              <a:ea typeface="Calibri"/>
+              <a:cs typeface="Calibri"/>
+              <a:sym typeface="Calibri"/>
+            </a:endParaRPr>
+          </a:p>
+          <a:p>
+            <a:pPr marL="0" lvl="0" indent="0" algn="l" rtl="0">
+              <a:spcBef>
+                <a:spcPts val="0"/>
+              </a:spcBef>
+              <a:spcAft>
+                <a:spcPts val="0"/>
+              </a:spcAft>
+              <a:buNone/>
+            </a:pPr>
+            <a:br>
+              <a:rPr lang="en" sz="1200">
+                <a:solidFill>
+                  <a:schemeClr val="dk1"/>
+                </a:solidFill>
+                <a:latin typeface="Calibri"/>
+                <a:ea typeface="Calibri"/>
+                <a:cs typeface="Calibri"/>
+                <a:sym typeface="Calibri"/>
+              </a:rPr>
+            </a:br>
+            <a:r>
+              <a:rPr lang="en" sz="1200" b="1">
+                <a:solidFill>
+                  <a:srgbClr val="3C78D8"/>
+                </a:solidFill>
+                <a:latin typeface="Calibri"/>
+                <a:ea typeface="Calibri"/>
+                <a:cs typeface="Calibri"/>
+                <a:sym typeface="Calibri"/>
+              </a:rPr>
+              <a:t>"Microsoft’s Hyperlight WebAssembly for VMs Is Open Source"</a:t>
+            </a:r>
+            <a:br>
+              <a:rPr lang="en" sz="1100">
+                <a:solidFill>
+                  <a:schemeClr val="dk1"/>
+                </a:solidFill>
+                <a:latin typeface="Calibri"/>
+                <a:ea typeface="Calibri"/>
+                <a:cs typeface="Calibri"/>
+                <a:sym typeface="Calibri"/>
+              </a:rPr>
+            </a:br>
+            <a:r>
+              <a:rPr lang="en" sz="900" u="sng">
+                <a:solidFill>
+                  <a:schemeClr val="hlink"/>
+                </a:solidFill>
+                <a:latin typeface="Calibri"/>
+                <a:ea typeface="Calibri"/>
+                <a:cs typeface="Calibri"/>
+                <a:sym typeface="Calibri"/>
+                <a:hlinkClick r:id="rId4"/>
+              </a:rPr>
+              <a:t>https://thenewstack.io/microsofts-hyperlight-webassembly-for-vms-is-open-source/</a:t>
+            </a:r>
+            <a:r>
+              <a:rPr lang="en" sz="900">
+                <a:solidFill>
+                  <a:schemeClr val="dk1"/>
+                </a:solidFill>
+                <a:latin typeface="Calibri"/>
+                <a:ea typeface="Calibri"/>
+                <a:cs typeface="Calibri"/>
+                <a:sym typeface="Calibri"/>
+              </a:rPr>
+              <a:t> </a:t>
+            </a:r>
+            <a:endParaRPr sz="900">
+              <a:solidFill>
+                <a:schemeClr val="dk1"/>
+              </a:solidFill>
+              <a:latin typeface="Calibri"/>
+              <a:ea typeface="Calibri"/>
+              <a:cs typeface="Calibri"/>
+              <a:sym typeface="Calibri"/>
+            </a:endParaRPr>
+          </a:p>
+          <a:p>
+            <a:pPr marL="0" lvl="0" indent="0" algn="l" rtl="0">
+              <a:spcBef>
+                <a:spcPts val="0"/>
+              </a:spcBef>
+              <a:spcAft>
+                <a:spcPts val="0"/>
+              </a:spcAft>
+              <a:buNone/>
+            </a:pPr>
+            <a:endParaRPr sz="900">
+              <a:solidFill>
+                <a:schemeClr val="dk1"/>
+              </a:solidFill>
+              <a:latin typeface="Calibri"/>
+              <a:ea typeface="Calibri"/>
+              <a:cs typeface="Calibri"/>
+              <a:sym typeface="Calibri"/>
+            </a:endParaRPr>
+          </a:p>
+          <a:p>
+            <a:pPr marL="0" lvl="0" indent="0" algn="l" rtl="0">
+              <a:spcBef>
+                <a:spcPts val="0"/>
+              </a:spcBef>
+              <a:spcAft>
+                <a:spcPts val="0"/>
+              </a:spcAft>
+              <a:buClr>
+                <a:schemeClr val="dk1"/>
+              </a:buClr>
+              <a:buSzPts val="1100"/>
+              <a:buFont typeface="Arial"/>
+              <a:buNone/>
+            </a:pPr>
+            <a:r>
+              <a:rPr lang="en" sz="1200" b="1">
+                <a:solidFill>
+                  <a:srgbClr val="3C78D8"/>
+                </a:solidFill>
+                <a:latin typeface="Calibri"/>
+                <a:ea typeface="Calibri"/>
+                <a:cs typeface="Calibri"/>
+                <a:sym typeface="Calibri"/>
+              </a:rPr>
+              <a:t>WASI = WebAssembly System Interface</a:t>
+            </a:r>
+            <a:endParaRPr sz="1200" b="1">
+              <a:solidFill>
+                <a:srgbClr val="3C78D8"/>
+              </a:solidFill>
+              <a:latin typeface="Calibri"/>
+              <a:ea typeface="Calibri"/>
+              <a:cs typeface="Calibri"/>
+              <a:sym typeface="Calibri"/>
+            </a:endParaRPr>
+          </a:p>
+          <a:p>
+            <a:pPr marL="0" lvl="0" indent="0" algn="l" rtl="0">
+              <a:spcBef>
+                <a:spcPts val="0"/>
+              </a:spcBef>
+              <a:spcAft>
+                <a:spcPts val="0"/>
+              </a:spcAft>
+              <a:buNone/>
+            </a:pPr>
+            <a:r>
+              <a:rPr lang="en" sz="1200" b="1">
+                <a:solidFill>
+                  <a:srgbClr val="3C78D8"/>
+                </a:solidFill>
+                <a:latin typeface="Calibri"/>
+                <a:ea typeface="Calibri"/>
+                <a:cs typeface="Calibri"/>
+                <a:sym typeface="Calibri"/>
+              </a:rPr>
+              <a:t>"WASI Preview 2: What WebAssembly Can and Can’t Do Yet"</a:t>
+            </a:r>
+            <a:endParaRPr sz="1200" b="1">
+              <a:solidFill>
+                <a:srgbClr val="3C78D8"/>
+              </a:solidFill>
+              <a:latin typeface="Calibri"/>
+              <a:ea typeface="Calibri"/>
+              <a:cs typeface="Calibri"/>
+              <a:sym typeface="Calibri"/>
+            </a:endParaRPr>
+          </a:p>
+          <a:p>
+            <a:pPr marL="0" lvl="0" indent="0" algn="l" rtl="0">
+              <a:spcBef>
+                <a:spcPts val="0"/>
+              </a:spcBef>
+              <a:spcAft>
+                <a:spcPts val="0"/>
+              </a:spcAft>
+              <a:buNone/>
+            </a:pPr>
+            <a:r>
+              <a:rPr lang="en" sz="900" u="sng">
+                <a:solidFill>
+                  <a:schemeClr val="hlink"/>
+                </a:solidFill>
+                <a:latin typeface="Calibri"/>
+                <a:ea typeface="Calibri"/>
+                <a:cs typeface="Calibri"/>
+                <a:sym typeface="Calibri"/>
+                <a:hlinkClick r:id="rId5"/>
+              </a:rPr>
+              <a:t>https://thenewstack.io/wasi-preview-2-what-webassembly-can-and-cant-do-yet/</a:t>
+            </a:r>
+            <a:r>
+              <a:rPr lang="en" sz="900">
+                <a:solidFill>
+                  <a:schemeClr val="dk1"/>
+                </a:solidFill>
+                <a:latin typeface="Calibri"/>
+                <a:ea typeface="Calibri"/>
+                <a:cs typeface="Calibri"/>
+                <a:sym typeface="Calibri"/>
+              </a:rPr>
+              <a:t> </a:t>
+            </a:r>
+            <a:endParaRPr sz="900">
+              <a:solidFill>
+                <a:schemeClr val="dk1"/>
+              </a:solidFill>
+              <a:latin typeface="Calibri"/>
+              <a:ea typeface="Calibri"/>
+              <a:cs typeface="Calibri"/>
+              <a:sym typeface="Calibri"/>
+            </a:endParaRPr>
+          </a:p>
+          <a:p>
+            <a:pPr marL="0" lvl="0" indent="0" algn="l" rtl="0">
+              <a:spcBef>
+                <a:spcPts val="0"/>
+              </a:spcBef>
+              <a:spcAft>
+                <a:spcPts val="0"/>
+              </a:spcAft>
+              <a:buNone/>
+            </a:pPr>
+            <a:endParaRPr sz="900">
+              <a:solidFill>
+                <a:srgbClr val="3C78D8"/>
+              </a:solidFill>
+              <a:latin typeface="Calibri"/>
+              <a:ea typeface="Calibri"/>
+              <a:cs typeface="Calibri"/>
+              <a:sym typeface="Calibri"/>
+            </a:endParaRPr>
+          </a:p>
+          <a:p>
+            <a:pPr marL="0" lvl="0" indent="0" algn="l" rtl="0">
+              <a:spcBef>
+                <a:spcPts val="0"/>
+              </a:spcBef>
+              <a:spcAft>
+                <a:spcPts val="0"/>
+              </a:spcAft>
+              <a:buNone/>
+            </a:pPr>
+            <a:r>
+              <a:rPr lang="en" sz="900" u="sng">
+                <a:solidFill>
+                  <a:schemeClr val="hlink"/>
+                </a:solidFill>
+                <a:latin typeface="Calibri"/>
+                <a:ea typeface="Calibri"/>
+                <a:cs typeface="Calibri"/>
+                <a:sym typeface="Calibri"/>
+                <a:hlinkClick r:id="rId6"/>
+              </a:rPr>
+              <a:t>https://news.ycombinator.com/item?id=42078476</a:t>
+            </a:r>
+            <a:endParaRPr sz="900">
+              <a:solidFill>
+                <a:srgbClr val="3C78D8"/>
+              </a:solidFill>
+              <a:latin typeface="Calibri"/>
+              <a:ea typeface="Calibri"/>
+              <a:cs typeface="Calibri"/>
+              <a:sym typeface="Calibri"/>
+            </a:endParaRPr>
+          </a:p>
+        </p:txBody>
+      </p:sp>
+      <p:sp>
+        <p:nvSpPr>
+          <p:cNvPr id="168" name="Google Shape;168;p24"/>
+          <p:cNvSpPr txBox="1"/>
+          <p:nvPr/>
+        </p:nvSpPr>
+        <p:spPr>
+          <a:xfrm>
+            <a:off x="4203498" y="387675"/>
+            <a:ext cx="3823200" cy="4451400"/>
+          </a:xfrm>
+          <a:prstGeom prst="rect">
+            <a:avLst/>
+          </a:prstGeom>
+          <a:solidFill>
+            <a:srgbClr val="FFF2CC"/>
+          </a:solidFill>
+          <a:ln w="9525" cap="flat" cmpd="sng">
+            <a:solidFill>
+              <a:srgbClr val="FF0000"/>
+            </a:solidFill>
+            <a:prstDash val="solid"/>
+            <a:round/>
+            <a:headEnd type="none" w="sm" len="sm"/>
+            <a:tailEnd type="none" w="sm" len="sm"/>
+          </a:ln>
+        </p:spPr>
+        <p:txBody>
+          <a:bodyPr spcFirstLastPara="1" wrap="square" lIns="9125" tIns="9125" rIns="9125" bIns="9125" anchor="t" anchorCtr="0">
+            <a:spAutoFit/>
+          </a:bodyPr>
+          <a:lstStyle/>
+          <a:p>
+            <a:pPr marL="171450" lvl="0" indent="-133350" algn="l" rtl="0">
+              <a:spcBef>
+                <a:spcPts val="0"/>
+              </a:spcBef>
+              <a:spcAft>
+                <a:spcPts val="0"/>
+              </a:spcAft>
+              <a:buClr>
+                <a:schemeClr val="dk1"/>
+              </a:buClr>
+              <a:buSzPts val="1200"/>
+              <a:buFont typeface="Calibri"/>
+              <a:buChar char="●"/>
+            </a:pPr>
+            <a:r>
+              <a:rPr lang="en" sz="1200" b="1">
+                <a:solidFill>
+                  <a:srgbClr val="FF0000"/>
+                </a:solidFill>
+                <a:latin typeface="Calibri"/>
+                <a:ea typeface="Calibri"/>
+                <a:cs typeface="Calibri"/>
+                <a:sym typeface="Calibri"/>
+              </a:rPr>
+              <a:t>Hyperlight wasm microvm</a:t>
+            </a:r>
+            <a:r>
+              <a:rPr lang="en" sz="1200">
+                <a:solidFill>
+                  <a:schemeClr val="dk1"/>
+                </a:solidFill>
+                <a:latin typeface="Calibri"/>
+                <a:ea typeface="Calibri"/>
+                <a:cs typeface="Calibri"/>
+                <a:sym typeface="Calibri"/>
+              </a:rPr>
+              <a:t> is a Rust library that leverages kernel-based virtual machines (KVMs) or Hyper-V to execute untrusted code within a microVM </a:t>
+            </a:r>
+            <a:r>
+              <a:rPr lang="en" sz="1200" b="1">
+                <a:solidFill>
+                  <a:srgbClr val="FF0000"/>
+                </a:solidFill>
+                <a:latin typeface="Calibri"/>
+                <a:ea typeface="Calibri"/>
+                <a:cs typeface="Calibri"/>
+                <a:sym typeface="Calibri"/>
+              </a:rPr>
+              <a:t>without the need for a full operating system</a:t>
+            </a:r>
+            <a:r>
+              <a:rPr lang="en" sz="1200">
+                <a:solidFill>
+                  <a:schemeClr val="dk1"/>
+                </a:solidFill>
+                <a:latin typeface="Calibri"/>
+                <a:ea typeface="Calibri"/>
+                <a:cs typeface="Calibri"/>
+                <a:sym typeface="Calibri"/>
+              </a:rPr>
+              <a:t> </a:t>
+            </a:r>
+            <a:endParaRPr sz="1200">
+              <a:solidFill>
+                <a:schemeClr val="dk1"/>
+              </a:solidFill>
+              <a:latin typeface="Calibri"/>
+              <a:ea typeface="Calibri"/>
+              <a:cs typeface="Calibri"/>
+              <a:sym typeface="Calibri"/>
+            </a:endParaRPr>
+          </a:p>
+          <a:p>
+            <a:pPr marL="171450" lvl="0" indent="-133350" algn="l" rtl="0">
+              <a:spcBef>
+                <a:spcPts val="0"/>
+              </a:spcBef>
+              <a:spcAft>
+                <a:spcPts val="0"/>
+              </a:spcAft>
+              <a:buClr>
+                <a:schemeClr val="dk1"/>
+              </a:buClr>
+              <a:buSzPts val="1200"/>
+              <a:buFont typeface="Calibri"/>
+              <a:buChar char="●"/>
+            </a:pPr>
+            <a:r>
+              <a:rPr lang="en" sz="1200">
+                <a:solidFill>
+                  <a:schemeClr val="dk1"/>
+                </a:solidFill>
+                <a:latin typeface="Calibri"/>
+                <a:ea typeface="Calibri"/>
+                <a:cs typeface="Calibri"/>
+                <a:sym typeface="Calibri"/>
+              </a:rPr>
+              <a:t>Hyperlight is an </a:t>
+            </a:r>
+            <a:r>
+              <a:rPr lang="en" sz="1200" b="1">
+                <a:solidFill>
+                  <a:srgbClr val="3C78D8"/>
+                </a:solidFill>
+                <a:latin typeface="Calibri"/>
+                <a:ea typeface="Calibri"/>
+                <a:cs typeface="Calibri"/>
+                <a:sym typeface="Calibri"/>
+              </a:rPr>
+              <a:t>extremely lightweight</a:t>
+            </a:r>
+            <a:r>
+              <a:rPr lang="en" sz="1200">
+                <a:solidFill>
+                  <a:schemeClr val="dk1"/>
+                </a:solidFill>
+                <a:latin typeface="Calibri"/>
+                <a:ea typeface="Calibri"/>
+                <a:cs typeface="Calibri"/>
+                <a:sym typeface="Calibri"/>
+              </a:rPr>
+              <a:t> </a:t>
+            </a:r>
+            <a:r>
+              <a:rPr lang="en" sz="1200" b="1">
+                <a:solidFill>
+                  <a:srgbClr val="FF0000"/>
+                </a:solidFill>
+                <a:latin typeface="Calibri"/>
+                <a:ea typeface="Calibri"/>
+                <a:cs typeface="Calibri"/>
+                <a:sym typeface="Calibri"/>
+              </a:rPr>
+              <a:t>Virtual Machine Manager (VMM)</a:t>
+            </a:r>
+            <a:r>
+              <a:rPr lang="en" sz="1200">
+                <a:solidFill>
+                  <a:schemeClr val="dk1"/>
+                </a:solidFill>
+                <a:latin typeface="Calibri"/>
+                <a:ea typeface="Calibri"/>
+                <a:cs typeface="Calibri"/>
+                <a:sym typeface="Calibri"/>
+              </a:rPr>
+              <a:t> designed to be embedded within applications. </a:t>
+            </a:r>
+            <a:endParaRPr sz="1200">
+              <a:solidFill>
+                <a:schemeClr val="dk1"/>
+              </a:solidFill>
+              <a:latin typeface="Calibri"/>
+              <a:ea typeface="Calibri"/>
+              <a:cs typeface="Calibri"/>
+              <a:sym typeface="Calibri"/>
+            </a:endParaRPr>
+          </a:p>
+          <a:p>
+            <a:pPr marL="171450" lvl="0" indent="-133350" algn="l" rtl="0">
+              <a:spcBef>
+                <a:spcPts val="0"/>
+              </a:spcBef>
+              <a:spcAft>
+                <a:spcPts val="0"/>
+              </a:spcAft>
+              <a:buClr>
+                <a:schemeClr val="dk1"/>
+              </a:buClr>
+              <a:buSzPts val="1200"/>
+              <a:buFont typeface="Calibri"/>
+              <a:buChar char="●"/>
+            </a:pPr>
+            <a:r>
+              <a:rPr lang="en" sz="1200">
+                <a:solidFill>
+                  <a:schemeClr val="dk1"/>
+                </a:solidFill>
+                <a:latin typeface="Calibri"/>
+                <a:ea typeface="Calibri"/>
+                <a:cs typeface="Calibri"/>
+                <a:sym typeface="Calibri"/>
+              </a:rPr>
+              <a:t>It enables safe execution of untrusted code within microVMs with very low latency and minimal overhead.</a:t>
+            </a:r>
+            <a:endParaRPr sz="1200">
+              <a:solidFill>
+                <a:schemeClr val="dk1"/>
+              </a:solidFill>
+              <a:latin typeface="Calibri"/>
+              <a:ea typeface="Calibri"/>
+              <a:cs typeface="Calibri"/>
+              <a:sym typeface="Calibri"/>
+            </a:endParaRPr>
+          </a:p>
+          <a:p>
+            <a:pPr marL="171450" lvl="0" indent="-133350" algn="l" rtl="0">
+              <a:spcBef>
+                <a:spcPts val="0"/>
+              </a:spcBef>
+              <a:spcAft>
+                <a:spcPts val="0"/>
+              </a:spcAft>
+              <a:buClr>
+                <a:schemeClr val="dk1"/>
+              </a:buClr>
+              <a:buSzPts val="1200"/>
+              <a:buFont typeface="Calibri"/>
+              <a:buChar char="●"/>
+            </a:pPr>
+            <a:r>
+              <a:rPr lang="en" sz="1200">
+                <a:solidFill>
+                  <a:schemeClr val="dk1"/>
+                </a:solidFill>
+                <a:latin typeface="Calibri"/>
+                <a:ea typeface="Calibri"/>
+                <a:cs typeface="Calibri"/>
+                <a:sym typeface="Calibri"/>
+              </a:rPr>
+              <a:t>Hyperlight is focusing on executing small, short-running functions within a secure, isolated environment </a:t>
+            </a:r>
+            <a:endParaRPr sz="1200">
+              <a:solidFill>
+                <a:schemeClr val="dk1"/>
+              </a:solidFill>
+              <a:latin typeface="Calibri"/>
+              <a:ea typeface="Calibri"/>
+              <a:cs typeface="Calibri"/>
+              <a:sym typeface="Calibri"/>
+            </a:endParaRPr>
+          </a:p>
+          <a:p>
+            <a:pPr marL="171450" lvl="0" indent="-133350" algn="l" rtl="0">
+              <a:spcBef>
+                <a:spcPts val="0"/>
+              </a:spcBef>
+              <a:spcAft>
+                <a:spcPts val="0"/>
+              </a:spcAft>
+              <a:buClr>
+                <a:schemeClr val="dk1"/>
+              </a:buClr>
+              <a:buSzPts val="1200"/>
+              <a:buFont typeface="Calibri"/>
+              <a:buChar char="●"/>
+            </a:pPr>
+            <a:r>
+              <a:rPr lang="en" sz="1200">
+                <a:solidFill>
+                  <a:schemeClr val="dk1"/>
+                </a:solidFill>
+                <a:latin typeface="Calibri"/>
+                <a:ea typeface="Calibri"/>
+                <a:cs typeface="Calibri"/>
+                <a:sym typeface="Calibri"/>
+              </a:rPr>
+              <a:t>The image files are small, the start time of microVM may be as small as 1-2 milliseconds, which is x100 times faster than traditional VMs or Docker images.</a:t>
+            </a:r>
+            <a:endParaRPr sz="1200">
+              <a:solidFill>
+                <a:schemeClr val="dk1"/>
+              </a:solidFill>
+              <a:latin typeface="Calibri"/>
+              <a:ea typeface="Calibri"/>
+              <a:cs typeface="Calibri"/>
+              <a:sym typeface="Calibri"/>
+            </a:endParaRPr>
+          </a:p>
+          <a:p>
+            <a:pPr marL="171450" lvl="0" indent="-133350" algn="l" rtl="0">
+              <a:spcBef>
+                <a:spcPts val="0"/>
+              </a:spcBef>
+              <a:spcAft>
+                <a:spcPts val="0"/>
+              </a:spcAft>
+              <a:buClr>
+                <a:schemeClr val="dk1"/>
+              </a:buClr>
+              <a:buSzPts val="1200"/>
+              <a:buFont typeface="Calibri"/>
+              <a:buChar char="●"/>
+            </a:pPr>
+            <a:r>
+              <a:rPr lang="en" sz="1200">
+                <a:solidFill>
+                  <a:schemeClr val="dk1"/>
+                </a:solidFill>
+                <a:latin typeface="Calibri"/>
+                <a:ea typeface="Calibri"/>
+                <a:cs typeface="Calibri"/>
+                <a:sym typeface="Calibri"/>
+              </a:rPr>
+              <a:t>Hyperlight achieves this efficiency by minimizing the functionalities of a traditional hypervisor. It focuses on providing a secure substrate for hosting application runtimes, such as </a:t>
+            </a:r>
+            <a:r>
+              <a:rPr lang="en" sz="1200" b="1">
+                <a:solidFill>
+                  <a:srgbClr val="FF0000"/>
+                </a:solidFill>
+                <a:latin typeface="Calibri"/>
+                <a:ea typeface="Calibri"/>
+                <a:cs typeface="Calibri"/>
+                <a:sym typeface="Calibri"/>
+              </a:rPr>
+              <a:t>Wasmtime</a:t>
+            </a:r>
+            <a:r>
+              <a:rPr lang="en" sz="1200">
+                <a:solidFill>
+                  <a:schemeClr val="dk1"/>
+                </a:solidFill>
+                <a:latin typeface="Calibri"/>
+                <a:ea typeface="Calibri"/>
+                <a:cs typeface="Calibri"/>
+                <a:sym typeface="Calibri"/>
+              </a:rPr>
+              <a:t> </a:t>
+            </a:r>
+            <a:endParaRPr sz="1200">
+              <a:solidFill>
+                <a:schemeClr val="dk1"/>
+              </a:solidFill>
+              <a:latin typeface="Calibri"/>
+              <a:ea typeface="Calibri"/>
+              <a:cs typeface="Calibri"/>
+              <a:sym typeface="Calibri"/>
+            </a:endParaRPr>
+          </a:p>
+          <a:p>
+            <a:pPr marL="171450" lvl="0" indent="-133350" algn="l" rtl="0">
+              <a:spcBef>
+                <a:spcPts val="0"/>
+              </a:spcBef>
+              <a:spcAft>
+                <a:spcPts val="0"/>
+              </a:spcAft>
+              <a:buClr>
+                <a:schemeClr val="dk1"/>
+              </a:buClr>
+              <a:buSzPts val="1200"/>
+              <a:buFont typeface="Calibri"/>
+              <a:buChar char="●"/>
+            </a:pPr>
+            <a:r>
+              <a:rPr lang="en" sz="1200" b="1">
+                <a:solidFill>
+                  <a:srgbClr val="FF0000"/>
+                </a:solidFill>
+                <a:latin typeface="Calibri"/>
+                <a:ea typeface="Calibri"/>
+                <a:cs typeface="Calibri"/>
+                <a:sym typeface="Calibri"/>
+              </a:rPr>
+              <a:t>Wasmtime</a:t>
+            </a:r>
+            <a:r>
+              <a:rPr lang="en" sz="1200">
+                <a:solidFill>
+                  <a:schemeClr val="dk1"/>
+                </a:solidFill>
+                <a:latin typeface="Calibri"/>
+                <a:ea typeface="Calibri"/>
+                <a:cs typeface="Calibri"/>
+                <a:sym typeface="Calibri"/>
+              </a:rPr>
+              <a:t> is a runtime for Wasm. Various languages can be compiled into Wasm (Rust, C++, Python, Java, ...).</a:t>
+            </a:r>
+            <a:endParaRPr sz="1200">
+              <a:solidFill>
+                <a:schemeClr val="dk1"/>
+              </a:solidFill>
+              <a:latin typeface="Calibri"/>
+              <a:ea typeface="Calibri"/>
+              <a:cs typeface="Calibri"/>
+              <a:sym typeface="Calibri"/>
+            </a:endParaRPr>
+          </a:p>
+          <a:p>
+            <a:pPr marL="171450" lvl="0" indent="-133350" algn="l" rtl="0">
+              <a:spcBef>
+                <a:spcPts val="0"/>
+              </a:spcBef>
+              <a:spcAft>
+                <a:spcPts val="0"/>
+              </a:spcAft>
+              <a:buClr>
+                <a:srgbClr val="FF0000"/>
+              </a:buClr>
+              <a:buSzPts val="1200"/>
+              <a:buFont typeface="Calibri"/>
+              <a:buChar char="●"/>
+            </a:pPr>
+            <a:r>
+              <a:rPr lang="en" sz="1200" b="1">
+                <a:solidFill>
+                  <a:srgbClr val="FF0000"/>
+                </a:solidFill>
+                <a:latin typeface="Calibri"/>
+                <a:ea typeface="Calibri"/>
+                <a:cs typeface="Calibri"/>
+                <a:sym typeface="Calibri"/>
+              </a:rPr>
+              <a:t>Hyperlight API only supports C and Rust today</a:t>
+            </a:r>
+            <a:endParaRPr sz="1200" b="1">
+              <a:solidFill>
+                <a:srgbClr val="FF0000"/>
+              </a:solidFill>
+              <a:latin typeface="Calibri"/>
+              <a:ea typeface="Calibri"/>
+              <a:cs typeface="Calibri"/>
+              <a:sym typeface="Calibri"/>
+            </a:endParaRPr>
+          </a:p>
+          <a:p>
+            <a:pPr marL="171450" lvl="0" indent="-133350" algn="l" rtl="0">
+              <a:spcBef>
+                <a:spcPts val="0"/>
+              </a:spcBef>
+              <a:spcAft>
+                <a:spcPts val="0"/>
+              </a:spcAft>
+              <a:buClr>
+                <a:schemeClr val="dk1"/>
+              </a:buClr>
+              <a:buSzPts val="1200"/>
+              <a:buFont typeface="Calibri"/>
+              <a:buChar char="●"/>
+            </a:pPr>
+            <a:r>
+              <a:rPr lang="en" sz="1200">
+                <a:solidFill>
+                  <a:schemeClr val="dk1"/>
+                </a:solidFill>
+                <a:latin typeface="Calibri"/>
+                <a:ea typeface="Calibri"/>
+                <a:cs typeface="Calibri"/>
+                <a:sym typeface="Calibri"/>
+              </a:rPr>
+              <a:t>Compared to unikernels or gVisor, Hyperlight offers a unique approach by combining the speed and efficiency of microVMs with the security and portability of Wasm </a:t>
+            </a:r>
+            <a:endParaRPr sz="1200">
+              <a:solidFill>
+                <a:schemeClr val="dk1"/>
+              </a:solidFill>
+              <a:latin typeface="Calibri"/>
+              <a:ea typeface="Calibri"/>
+              <a:cs typeface="Calibri"/>
+              <a:sym typeface="Calibri"/>
+            </a:endParaRPr>
+          </a:p>
+        </p:txBody>
+      </p:sp>
+      <p:pic>
+        <p:nvPicPr>
+          <p:cNvPr id="169" name="Google Shape;169;p24"/>
+          <p:cNvPicPr preferRelativeResize="0"/>
+          <p:nvPr/>
+        </p:nvPicPr>
+        <p:blipFill>
+          <a:blip r:embed="rId7" cstate="email">
+            <a:alphaModFix/>
+            <a:extLst>
+              <a:ext uri="{28A0092B-C50C-407E-A947-70E740481C1C}">
+                <a14:useLocalDpi xmlns:a14="http://schemas.microsoft.com/office/drawing/2010/main"/>
+              </a:ext>
+            </a:extLst>
+          </a:blip>
+          <a:stretch>
+            <a:fillRect/>
+          </a:stretch>
+        </p:blipFill>
+        <p:spPr>
+          <a:xfrm>
+            <a:off x="8134625" y="0"/>
+            <a:ext cx="1009375" cy="1009375"/>
+          </a:xfrm>
+          <a:prstGeom prst="rect">
+            <a:avLst/>
+          </a:prstGeom>
+          <a:noFill/>
+          <a:ln>
+            <a:noFill/>
+          </a:ln>
+        </p:spPr>
+      </p:pic>
+    </p:spTree>
+  </p:cSld>
+  <p:clrMapOvr>
+    <a:masterClrMapping/>
+  </p:clrMapOvr>
+</p:sld>
+</file>
+
+<file path=ppt/slides/slide11.xml><?xml version="1.0" encoding="utf-8"?>
+<p:sld xmlns:a="http://schemas.openxmlformats.org/drawingml/2006/main" xmlns:r="http://schemas.openxmlformats.org/officeDocument/2006/relationships" xmlns:p="http://schemas.openxmlformats.org/presentationml/2006/main">
+  <p:cSld>
+    <p:spTree>
+      <p:nvGrpSpPr>
+        <p:cNvPr id="1" name="Shape 173"/>
+        <p:cNvGrpSpPr/>
+        <p:nvPr/>
+      </p:nvGrpSpPr>
+      <p:grpSpPr>
+        <a:xfrm>
+          <a:off x="0" y="0"/>
+          <a:ext cx="0" cy="0"/>
+          <a:chOff x="0" y="0"/>
+          <a:chExt cx="0" cy="0"/>
+        </a:xfrm>
+      </p:grpSpPr>
+      <p:sp>
+        <p:nvSpPr>
+          <p:cNvPr id="174" name="Google Shape;174;p25"/>
+          <p:cNvSpPr txBox="1"/>
+          <p:nvPr/>
+        </p:nvSpPr>
+        <p:spPr>
+          <a:xfrm>
+            <a:off x="55075" y="-23450"/>
+            <a:ext cx="3510900" cy="326400"/>
+          </a:xfrm>
+          <a:prstGeom prst="rect">
+            <a:avLst/>
+          </a:prstGeom>
+          <a:noFill/>
+          <a:ln>
+            <a:noFill/>
+          </a:ln>
+        </p:spPr>
+        <p:txBody>
+          <a:bodyPr spcFirstLastPara="1" wrap="square" lIns="9125" tIns="9125" rIns="9125" bIns="9125" anchor="t" anchorCtr="0">
+            <a:spAutoFit/>
+          </a:bodyPr>
+          <a:lstStyle/>
+          <a:p>
+            <a:pPr marL="0" lvl="0" indent="0" algn="l" rtl="0">
+              <a:spcBef>
+                <a:spcPts val="0"/>
+              </a:spcBef>
+              <a:spcAft>
+                <a:spcPts val="0"/>
+              </a:spcAft>
+              <a:buClr>
+                <a:schemeClr val="dk1"/>
+              </a:buClr>
+              <a:buSzPts val="1100"/>
+              <a:buFont typeface="Arial"/>
+              <a:buNone/>
+            </a:pPr>
+            <a:r>
+              <a:rPr lang="en" sz="2000" b="1">
+                <a:solidFill>
+                  <a:schemeClr val="dk1"/>
+                </a:solidFill>
+                <a:latin typeface="Calibri"/>
+                <a:ea typeface="Calibri"/>
+                <a:cs typeface="Calibri"/>
+                <a:sym typeface="Calibri"/>
+              </a:rPr>
+              <a:t>How To Be Productive</a:t>
+            </a:r>
+            <a:endParaRPr sz="2000" b="1">
+              <a:solidFill>
+                <a:schemeClr val="dk1"/>
+              </a:solidFill>
+              <a:latin typeface="Calibri"/>
+              <a:ea typeface="Calibri"/>
+              <a:cs typeface="Calibri"/>
+              <a:sym typeface="Calibri"/>
+            </a:endParaRPr>
+          </a:p>
+        </p:txBody>
+      </p:sp>
+      <p:sp>
+        <p:nvSpPr>
+          <p:cNvPr id="175" name="Google Shape;175;p25"/>
+          <p:cNvSpPr txBox="1"/>
+          <p:nvPr/>
+        </p:nvSpPr>
+        <p:spPr>
+          <a:xfrm>
+            <a:off x="43542" y="364850"/>
+            <a:ext cx="4986900" cy="3020100"/>
+          </a:xfrm>
+          <a:prstGeom prst="rect">
+            <a:avLst/>
+          </a:prstGeom>
+          <a:solidFill>
+            <a:srgbClr val="FFF2CC"/>
+          </a:solidFill>
+          <a:ln w="9525" cap="flat" cmpd="sng">
+            <a:solidFill>
+              <a:srgbClr val="FF0000"/>
+            </a:solidFill>
+            <a:prstDash val="solid"/>
+            <a:round/>
+            <a:headEnd type="none" w="sm" len="sm"/>
+            <a:tailEnd type="none" w="sm" len="sm"/>
+          </a:ln>
+        </p:spPr>
+        <p:txBody>
+          <a:bodyPr spcFirstLastPara="1" wrap="square" lIns="9125" tIns="9125" rIns="9125" bIns="9125" anchor="t" anchorCtr="0">
+            <a:spAutoFit/>
+          </a:bodyPr>
+          <a:lstStyle/>
+          <a:p>
+            <a:pPr marL="171450" lvl="0" indent="-139700" algn="l" rtl="0">
+              <a:spcBef>
+                <a:spcPts val="0"/>
+              </a:spcBef>
+              <a:spcAft>
+                <a:spcPts val="0"/>
+              </a:spcAft>
+              <a:buClr>
+                <a:schemeClr val="dk1"/>
+              </a:buClr>
+              <a:buSzPts val="1300"/>
+              <a:buFont typeface="Calibri"/>
+              <a:buChar char="●"/>
+            </a:pPr>
+            <a:r>
+              <a:rPr lang="en" sz="1300">
+                <a:solidFill>
+                  <a:schemeClr val="dk1"/>
+                </a:solidFill>
+                <a:latin typeface="Calibri"/>
+                <a:ea typeface="Calibri"/>
+                <a:cs typeface="Calibri"/>
+                <a:sym typeface="Calibri"/>
+              </a:rPr>
+              <a:t>How To Be SO Productive That It Feels ILLEGAL</a:t>
+            </a:r>
+            <a:br>
+              <a:rPr lang="en" sz="1300">
+                <a:solidFill>
+                  <a:schemeClr val="dk1"/>
+                </a:solidFill>
+                <a:latin typeface="Calibri"/>
+                <a:ea typeface="Calibri"/>
+                <a:cs typeface="Calibri"/>
+                <a:sym typeface="Calibri"/>
+              </a:rPr>
+            </a:br>
+            <a:r>
+              <a:rPr lang="en" sz="1300" u="sng">
+                <a:solidFill>
+                  <a:schemeClr val="hlink"/>
+                </a:solidFill>
+                <a:latin typeface="Calibri"/>
+                <a:ea typeface="Calibri"/>
+                <a:cs typeface="Calibri"/>
+                <a:sym typeface="Calibri"/>
+                <a:hlinkClick r:id="rId3"/>
+              </a:rPr>
+              <a:t>https://www.youtube.com/watch?v=4FXScrmYKQ0</a:t>
+            </a:r>
+            <a:r>
+              <a:rPr lang="en" sz="1300">
+                <a:solidFill>
+                  <a:schemeClr val="dk1"/>
+                </a:solidFill>
+                <a:latin typeface="Calibri"/>
+                <a:ea typeface="Calibri"/>
+                <a:cs typeface="Calibri"/>
+                <a:sym typeface="Calibri"/>
+              </a:rPr>
+              <a:t> </a:t>
+            </a:r>
+            <a:endParaRPr sz="1300">
+              <a:solidFill>
+                <a:schemeClr val="dk1"/>
+              </a:solidFill>
+              <a:latin typeface="Calibri"/>
+              <a:ea typeface="Calibri"/>
+              <a:cs typeface="Calibri"/>
+              <a:sym typeface="Calibri"/>
+            </a:endParaRPr>
+          </a:p>
+          <a:p>
+            <a:pPr marL="171450" lvl="0" indent="-139700" algn="l" rtl="0">
+              <a:spcBef>
+                <a:spcPts val="0"/>
+              </a:spcBef>
+              <a:spcAft>
+                <a:spcPts val="0"/>
+              </a:spcAft>
+              <a:buClr>
+                <a:schemeClr val="dk1"/>
+              </a:buClr>
+              <a:buSzPts val="1300"/>
+              <a:buFont typeface="Calibri"/>
+              <a:buChar char="●"/>
+            </a:pPr>
+            <a:r>
+              <a:rPr lang="en" sz="1300">
+                <a:solidFill>
+                  <a:schemeClr val="dk1"/>
+                </a:solidFill>
+                <a:latin typeface="Calibri"/>
+                <a:ea typeface="Calibri"/>
+                <a:cs typeface="Calibri"/>
+                <a:sym typeface="Calibri"/>
+              </a:rPr>
+              <a:t>Justin Sung's video explains how to reach "illegal" levels of productivity. </a:t>
+            </a:r>
+            <a:endParaRPr sz="1300">
+              <a:solidFill>
+                <a:schemeClr val="dk1"/>
+              </a:solidFill>
+              <a:latin typeface="Calibri"/>
+              <a:ea typeface="Calibri"/>
+              <a:cs typeface="Calibri"/>
+              <a:sym typeface="Calibri"/>
+            </a:endParaRPr>
+          </a:p>
+          <a:p>
+            <a:pPr marL="171450" lvl="0" indent="-139700" algn="l" rtl="0">
+              <a:spcBef>
+                <a:spcPts val="0"/>
+              </a:spcBef>
+              <a:spcAft>
+                <a:spcPts val="0"/>
+              </a:spcAft>
+              <a:buClr>
+                <a:schemeClr val="dk1"/>
+              </a:buClr>
+              <a:buSzPts val="1300"/>
+              <a:buFont typeface="Calibri"/>
+              <a:buChar char="●"/>
+            </a:pPr>
+            <a:r>
+              <a:rPr lang="en" sz="1300">
+                <a:solidFill>
+                  <a:schemeClr val="dk1"/>
+                </a:solidFill>
+                <a:latin typeface="Calibri"/>
+                <a:ea typeface="Calibri"/>
+                <a:cs typeface="Calibri"/>
+                <a:sym typeface="Calibri"/>
+              </a:rPr>
+              <a:t>Pareto Principle (80/20 rule) squared: find 20% of 20% = 4% (for 64%)</a:t>
+            </a:r>
+            <a:endParaRPr sz="1300">
+              <a:solidFill>
+                <a:schemeClr val="dk1"/>
+              </a:solidFill>
+              <a:latin typeface="Calibri"/>
+              <a:ea typeface="Calibri"/>
+              <a:cs typeface="Calibri"/>
+              <a:sym typeface="Calibri"/>
+            </a:endParaRPr>
+          </a:p>
+          <a:p>
+            <a:pPr marL="171450" lvl="0" indent="-139700" algn="l" rtl="0">
+              <a:spcBef>
+                <a:spcPts val="0"/>
+              </a:spcBef>
+              <a:spcAft>
+                <a:spcPts val="0"/>
+              </a:spcAft>
+              <a:buClr>
+                <a:schemeClr val="dk1"/>
+              </a:buClr>
+              <a:buSzPts val="1300"/>
+              <a:buFont typeface="Calibri"/>
+              <a:buChar char="●"/>
+            </a:pPr>
+            <a:r>
+              <a:rPr lang="en" sz="1300">
+                <a:solidFill>
+                  <a:schemeClr val="dk1"/>
+                </a:solidFill>
+                <a:latin typeface="Calibri"/>
+                <a:ea typeface="Calibri"/>
+                <a:cs typeface="Calibri"/>
+                <a:sym typeface="Calibri"/>
+              </a:rPr>
+              <a:t>The Zeigarnik effect - </a:t>
+            </a:r>
+            <a:r>
+              <a:rPr lang="en" sz="1300" u="sng">
+                <a:solidFill>
+                  <a:schemeClr val="hlink"/>
+                </a:solidFill>
+                <a:latin typeface="Calibri"/>
+                <a:ea typeface="Calibri"/>
+                <a:cs typeface="Calibri"/>
+                <a:sym typeface="Calibri"/>
+                <a:hlinkClick r:id="rId4"/>
+              </a:rPr>
+              <a:t>https://en.wikipedia.org/wiki/Zeigarnik_effect</a:t>
+            </a:r>
+            <a:br>
+              <a:rPr lang="en" sz="1300">
+                <a:solidFill>
+                  <a:schemeClr val="dk1"/>
+                </a:solidFill>
+                <a:latin typeface="Calibri"/>
+                <a:ea typeface="Calibri"/>
+                <a:cs typeface="Calibri"/>
+                <a:sym typeface="Calibri"/>
+              </a:rPr>
+            </a:br>
+            <a:r>
+              <a:rPr lang="en" sz="1300">
+                <a:solidFill>
+                  <a:schemeClr val="dk1"/>
+                </a:solidFill>
+                <a:latin typeface="Calibri"/>
+                <a:ea typeface="Calibri"/>
+                <a:cs typeface="Calibri"/>
+                <a:sym typeface="Calibri"/>
+              </a:rPr>
+              <a:t>students who suspend their study to perform unrelated activities (such as studying a different subject or playing a game), will remember material better than students who complete study sessions without a break. By deliberately starting tasks without the intention of finishing them, we reduce the friction of starting and increase motivation.</a:t>
+            </a:r>
+            <a:endParaRPr sz="1300">
+              <a:solidFill>
+                <a:schemeClr val="dk1"/>
+              </a:solidFill>
+              <a:latin typeface="Calibri"/>
+              <a:ea typeface="Calibri"/>
+              <a:cs typeface="Calibri"/>
+              <a:sym typeface="Calibri"/>
+            </a:endParaRPr>
+          </a:p>
+          <a:p>
+            <a:pPr marL="171450" lvl="0" indent="-139700" algn="l" rtl="0">
+              <a:spcBef>
+                <a:spcPts val="0"/>
+              </a:spcBef>
+              <a:spcAft>
+                <a:spcPts val="0"/>
+              </a:spcAft>
+              <a:buClr>
+                <a:schemeClr val="dk1"/>
+              </a:buClr>
+              <a:buSzPts val="1300"/>
+              <a:buFont typeface="Calibri"/>
+              <a:buChar char="●"/>
+            </a:pPr>
+            <a:r>
+              <a:rPr lang="en" sz="1300">
+                <a:solidFill>
+                  <a:schemeClr val="dk1"/>
+                </a:solidFill>
+                <a:latin typeface="Calibri"/>
+                <a:ea typeface="Calibri"/>
+                <a:cs typeface="Calibri"/>
+                <a:sym typeface="Calibri"/>
+              </a:rPr>
+              <a:t>Zeigarnik effect started; getting started on getting started (prepare) </a:t>
+            </a:r>
+            <a:endParaRPr sz="1300">
+              <a:solidFill>
+                <a:schemeClr val="dk1"/>
+              </a:solidFill>
+              <a:latin typeface="Calibri"/>
+              <a:ea typeface="Calibri"/>
+              <a:cs typeface="Calibri"/>
+              <a:sym typeface="Calibri"/>
+            </a:endParaRPr>
+          </a:p>
+          <a:p>
+            <a:pPr marL="171450" lvl="0" indent="-139700" algn="l" rtl="0">
+              <a:spcBef>
+                <a:spcPts val="0"/>
+              </a:spcBef>
+              <a:spcAft>
+                <a:spcPts val="0"/>
+              </a:spcAft>
+              <a:buClr>
+                <a:schemeClr val="dk1"/>
+              </a:buClr>
+              <a:buSzPts val="1300"/>
+              <a:buFont typeface="Calibri"/>
+              <a:buChar char="●"/>
+            </a:pPr>
+            <a:r>
+              <a:rPr lang="en" sz="1300">
+                <a:solidFill>
+                  <a:schemeClr val="dk1"/>
+                </a:solidFill>
+                <a:latin typeface="Calibri"/>
+                <a:ea typeface="Calibri"/>
+                <a:cs typeface="Calibri"/>
+                <a:sym typeface="Calibri"/>
+              </a:rPr>
+              <a:t>"Championship Mentality," emphasizing the importance of focusing on long-term goals rather than short-term wins. </a:t>
+            </a:r>
+            <a:endParaRPr sz="1300">
+              <a:solidFill>
+                <a:schemeClr val="dk1"/>
+              </a:solidFill>
+              <a:latin typeface="Calibri"/>
+              <a:ea typeface="Calibri"/>
+              <a:cs typeface="Calibri"/>
+              <a:sym typeface="Calibri"/>
+            </a:endParaRPr>
+          </a:p>
+          <a:p>
+            <a:pPr marL="171450" lvl="0" indent="-139700" algn="l" rtl="0">
+              <a:spcBef>
+                <a:spcPts val="0"/>
+              </a:spcBef>
+              <a:spcAft>
+                <a:spcPts val="0"/>
+              </a:spcAft>
+              <a:buClr>
+                <a:schemeClr val="dk1"/>
+              </a:buClr>
+              <a:buSzPts val="1300"/>
+              <a:buFont typeface="Calibri"/>
+              <a:buChar char="●"/>
+            </a:pPr>
+            <a:r>
+              <a:rPr lang="en" sz="1300">
+                <a:solidFill>
+                  <a:schemeClr val="dk1"/>
+                </a:solidFill>
+                <a:latin typeface="Calibri"/>
+                <a:ea typeface="Calibri"/>
+                <a:cs typeface="Calibri"/>
+                <a:sym typeface="Calibri"/>
+              </a:rPr>
+              <a:t>So: plan and prioritize, break down tasks, think long term, use technology, take care of yourself, recover</a:t>
+            </a:r>
+            <a:endParaRPr sz="1300">
+              <a:solidFill>
+                <a:schemeClr val="dk1"/>
+              </a:solidFill>
+              <a:latin typeface="Calibri"/>
+              <a:ea typeface="Calibri"/>
+              <a:cs typeface="Calibri"/>
+              <a:sym typeface="Calibri"/>
+            </a:endParaRPr>
+          </a:p>
+        </p:txBody>
+      </p:sp>
+      <p:pic>
+        <p:nvPicPr>
+          <p:cNvPr id="176" name="Google Shape;176;p25"/>
+          <p:cNvPicPr preferRelativeResize="0"/>
+          <p:nvPr/>
+        </p:nvPicPr>
+        <p:blipFill>
+          <a:blip r:embed="rId5" cstate="email">
+            <a:alphaModFix/>
+            <a:extLst>
+              <a:ext uri="{28A0092B-C50C-407E-A947-70E740481C1C}">
+                <a14:useLocalDpi xmlns:a14="http://schemas.microsoft.com/office/drawing/2010/main"/>
+              </a:ext>
+            </a:extLst>
+          </a:blip>
+          <a:stretch>
+            <a:fillRect/>
+          </a:stretch>
+        </p:blipFill>
+        <p:spPr>
+          <a:xfrm>
+            <a:off x="5182847" y="364850"/>
+            <a:ext cx="2143625" cy="2186950"/>
+          </a:xfrm>
+          <a:prstGeom prst="rect">
+            <a:avLst/>
+          </a:prstGeom>
+          <a:noFill/>
+          <a:ln w="9525" cap="flat" cmpd="sng">
+            <a:solidFill>
+              <a:srgbClr val="FF0000"/>
+            </a:solidFill>
+            <a:prstDash val="solid"/>
+            <a:round/>
+            <a:headEnd type="none" w="sm" len="sm"/>
+            <a:tailEnd type="none" w="sm" len="sm"/>
+          </a:ln>
+        </p:spPr>
+      </p:pic>
+    </p:spTree>
+  </p:cSld>
+  <p:clrMapOvr>
+    <a:masterClrMapping/>
+  </p:clrMapOvr>
+</p:sld>
+</file>
+
+<file path=ppt/slides/slide12.xml><?xml version="1.0" encoding="utf-8"?>
+<p:sld xmlns:a="http://schemas.openxmlformats.org/drawingml/2006/main" xmlns:r="http://schemas.openxmlformats.org/officeDocument/2006/relationships" xmlns:p="http://schemas.openxmlformats.org/presentationml/2006/main">
+  <p:cSld>
+    <p:spTree>
+      <p:nvGrpSpPr>
+        <p:cNvPr id="1" name="Shape 180"/>
+        <p:cNvGrpSpPr/>
+        <p:nvPr/>
+      </p:nvGrpSpPr>
+      <p:grpSpPr>
+        <a:xfrm>
+          <a:off x="0" y="0"/>
+          <a:ext cx="0" cy="0"/>
+          <a:chOff x="0" y="0"/>
+          <a:chExt cx="0" cy="0"/>
+        </a:xfrm>
+      </p:grpSpPr>
+      <p:sp>
+        <p:nvSpPr>
+          <p:cNvPr id="181" name="Google Shape;181;p26"/>
           <p:cNvSpPr txBox="1"/>
           <p:nvPr/>
         </p:nvSpPr>
@@ -12973,7 +14861,7 @@
       </p:sp>
       <p:sp>
         <p:nvSpPr>
-          <p:cNvPr id="166" name="Google Shape;166;p24"/>
+          <p:cNvPr id="182" name="Google Shape;182;p26"/>
           <p:cNvSpPr txBox="1"/>
           <p:nvPr/>
         </p:nvSpPr>
@@ -13039,7 +14927,7 @@
       </p:sp>
       <p:sp>
         <p:nvSpPr>
-          <p:cNvPr id="167" name="Google Shape;167;p24"/>
+          <p:cNvPr id="183" name="Google Shape;183;p26"/>
           <p:cNvSpPr txBox="1"/>
           <p:nvPr/>
         </p:nvSpPr>
@@ -13130,7 +15018,7 @@
       </p:sp>
       <p:sp>
         <p:nvSpPr>
-          <p:cNvPr id="168" name="Google Shape;168;p24"/>
+          <p:cNvPr id="184" name="Google Shape;184;p26"/>
           <p:cNvSpPr txBox="1"/>
           <p:nvPr/>
         </p:nvSpPr>
@@ -13204,7 +15092,7 @@
       </p:sp>
       <p:sp>
         <p:nvSpPr>
-          <p:cNvPr id="169" name="Google Shape;169;p24"/>
+          <p:cNvPr id="185" name="Google Shape;185;p26"/>
           <p:cNvSpPr txBox="1"/>
           <p:nvPr/>
         </p:nvSpPr>
@@ -13365,7 +15253,7 @@
       </p:sp>
       <p:sp>
         <p:nvSpPr>
-          <p:cNvPr id="170" name="Google Shape;170;p24"/>
+          <p:cNvPr id="186" name="Google Shape;186;p26"/>
           <p:cNvSpPr txBox="1"/>
           <p:nvPr/>
         </p:nvSpPr>
@@ -13439,7 +15327,7 @@
       </p:sp>
       <p:sp>
         <p:nvSpPr>
-          <p:cNvPr id="171" name="Google Shape;171;p24"/>
+          <p:cNvPr id="187" name="Google Shape;187;p26"/>
           <p:cNvSpPr txBox="1"/>
           <p:nvPr/>
         </p:nvSpPr>
@@ -13510,7 +15398,7 @@
       </p:sp>
       <p:sp>
         <p:nvSpPr>
-          <p:cNvPr id="172" name="Google Shape;172;p24"/>
+          <p:cNvPr id="188" name="Google Shape;188;p26"/>
           <p:cNvSpPr txBox="1"/>
           <p:nvPr/>
         </p:nvSpPr>
@@ -13585,7 +15473,7 @@
       </p:sp>
       <p:sp>
         <p:nvSpPr>
-          <p:cNvPr id="173" name="Google Shape;173;p24"/>
+          <p:cNvPr id="189" name="Google Shape;189;p26"/>
           <p:cNvSpPr/>
           <p:nvPr/>
         </p:nvSpPr>
@@ -13631,7 +15519,7 @@
       </p:sp>
       <p:sp>
         <p:nvSpPr>
-          <p:cNvPr id="174" name="Google Shape;174;p24"/>
+          <p:cNvPr id="190" name="Google Shape;190;p26"/>
           <p:cNvSpPr/>
           <p:nvPr/>
         </p:nvSpPr>
@@ -13677,7 +15565,7 @@
       </p:sp>
       <p:sp>
         <p:nvSpPr>
-          <p:cNvPr id="175" name="Google Shape;175;p24"/>
+          <p:cNvPr id="191" name="Google Shape;191;p26"/>
           <p:cNvSpPr/>
           <p:nvPr/>
         </p:nvSpPr>
@@ -13723,7 +15611,7 @@
       </p:sp>
       <p:sp>
         <p:nvSpPr>
-          <p:cNvPr id="176" name="Google Shape;176;p24"/>
+          <p:cNvPr id="192" name="Google Shape;192;p26"/>
           <p:cNvSpPr/>
           <p:nvPr/>
         </p:nvSpPr>
@@ -13769,7 +15657,7 @@
       </p:sp>
       <p:sp>
         <p:nvSpPr>
-          <p:cNvPr id="177" name="Google Shape;177;p24"/>
+          <p:cNvPr id="193" name="Google Shape;193;p26"/>
           <p:cNvSpPr/>
           <p:nvPr/>
         </p:nvSpPr>
@@ -13815,7 +15703,7 @@
       </p:sp>
       <p:sp>
         <p:nvSpPr>
-          <p:cNvPr id="178" name="Google Shape;178;p24"/>
+          <p:cNvPr id="194" name="Google Shape;194;p26"/>
           <p:cNvSpPr txBox="1"/>
           <p:nvPr/>
         </p:nvSpPr>
@@ -13890,7 +15778,7 @@
       </p:sp>
       <p:sp>
         <p:nvSpPr>
-          <p:cNvPr id="179" name="Google Shape;179;p24"/>
+          <p:cNvPr id="195" name="Google Shape;195;p26"/>
           <p:cNvSpPr/>
           <p:nvPr/>
         </p:nvSpPr>
@@ -13936,7 +15824,7 @@
       </p:sp>
       <p:sp>
         <p:nvSpPr>
-          <p:cNvPr id="180" name="Google Shape;180;p24"/>
+          <p:cNvPr id="196" name="Google Shape;196;p26"/>
           <p:cNvSpPr/>
           <p:nvPr/>
         </p:nvSpPr>
@@ -13982,7 +15870,7 @@
       </p:sp>
       <p:sp>
         <p:nvSpPr>
-          <p:cNvPr id="181" name="Google Shape;181;p24"/>
+          <p:cNvPr id="197" name="Google Shape;197;p26"/>
           <p:cNvSpPr/>
           <p:nvPr/>
         </p:nvSpPr>
@@ -14028,7 +15916,7 @@
       </p:sp>
       <p:sp>
         <p:nvSpPr>
-          <p:cNvPr id="182" name="Google Shape;182;p24"/>
+          <p:cNvPr id="198" name="Google Shape;198;p26"/>
           <p:cNvSpPr/>
           <p:nvPr/>
         </p:nvSpPr>
@@ -14074,7 +15962,7 @@
       </p:sp>
       <p:sp>
         <p:nvSpPr>
-          <p:cNvPr id="183" name="Google Shape;183;p24"/>
+          <p:cNvPr id="199" name="Google Shape;199;p26"/>
           <p:cNvSpPr/>
           <p:nvPr/>
         </p:nvSpPr>
@@ -14120,7 +16008,7 @@
       </p:sp>
       <p:sp>
         <p:nvSpPr>
-          <p:cNvPr id="184" name="Google Shape;184;p24"/>
+          <p:cNvPr id="200" name="Google Shape;200;p26"/>
           <p:cNvSpPr/>
           <p:nvPr/>
         </p:nvSpPr>
@@ -14166,7 +16054,7 @@
       </p:sp>
       <p:sp>
         <p:nvSpPr>
-          <p:cNvPr id="185" name="Google Shape;185;p24"/>
+          <p:cNvPr id="201" name="Google Shape;201;p26"/>
           <p:cNvSpPr/>
           <p:nvPr/>
         </p:nvSpPr>
@@ -14212,7 +16100,7 @@
       </p:sp>
       <p:sp>
         <p:nvSpPr>
-          <p:cNvPr id="186" name="Google Shape;186;p24"/>
+          <p:cNvPr id="202" name="Google Shape;202;p26"/>
           <p:cNvSpPr/>
           <p:nvPr/>
         </p:nvSpPr>
@@ -14258,7 +16146,7 @@
       </p:sp>
       <p:sp>
         <p:nvSpPr>
-          <p:cNvPr id="187" name="Google Shape;187;p24"/>
+          <p:cNvPr id="203" name="Google Shape;203;p26"/>
           <p:cNvSpPr/>
           <p:nvPr/>
         </p:nvSpPr>
@@ -14304,7 +16192,7 @@
       </p:sp>
       <p:sp>
         <p:nvSpPr>
-          <p:cNvPr id="188" name="Google Shape;188;p24"/>
+          <p:cNvPr id="204" name="Google Shape;204;p26"/>
           <p:cNvSpPr/>
           <p:nvPr/>
         </p:nvSpPr>
@@ -14350,7 +16238,7 @@
       </p:sp>
       <p:sp>
         <p:nvSpPr>
-          <p:cNvPr id="189" name="Google Shape;189;p24"/>
+          <p:cNvPr id="205" name="Google Shape;205;p26"/>
           <p:cNvSpPr txBox="1"/>
           <p:nvPr/>
         </p:nvSpPr>
@@ -14425,7 +16313,7 @@
       </p:sp>
       <p:sp>
         <p:nvSpPr>
-          <p:cNvPr id="190" name="Google Shape;190;p24"/>
+          <p:cNvPr id="206" name="Google Shape;206;p26"/>
           <p:cNvSpPr/>
           <p:nvPr/>
         </p:nvSpPr>
@@ -14471,7 +16359,7 @@
       </p:sp>
       <p:sp>
         <p:nvSpPr>
-          <p:cNvPr id="191" name="Google Shape;191;p24"/>
+          <p:cNvPr id="207" name="Google Shape;207;p26"/>
           <p:cNvSpPr txBox="1"/>
           <p:nvPr/>
         </p:nvSpPr>
@@ -14546,7 +16434,7 @@
       </p:sp>
       <p:sp>
         <p:nvSpPr>
-          <p:cNvPr id="192" name="Google Shape;192;p24"/>
+          <p:cNvPr id="208" name="Google Shape;208;p26"/>
           <p:cNvSpPr txBox="1"/>
           <p:nvPr/>
         </p:nvSpPr>
@@ -14621,7 +16509,7 @@
       </p:sp>
       <p:sp>
         <p:nvSpPr>
-          <p:cNvPr id="193" name="Google Shape;193;p24"/>
+          <p:cNvPr id="209" name="Google Shape;209;p26"/>
           <p:cNvSpPr txBox="1"/>
           <p:nvPr/>
         </p:nvSpPr>
@@ -14696,7 +16584,7 @@
       </p:sp>
       <p:sp>
         <p:nvSpPr>
-          <p:cNvPr id="194" name="Google Shape;194;p24"/>
+          <p:cNvPr id="210" name="Google Shape;210;p26"/>
           <p:cNvSpPr/>
           <p:nvPr/>
         </p:nvSpPr>
@@ -14742,7 +16630,7 @@
       </p:sp>
       <p:sp>
         <p:nvSpPr>
-          <p:cNvPr id="195" name="Google Shape;195;p24"/>
+          <p:cNvPr id="211" name="Google Shape;211;p26"/>
           <p:cNvSpPr/>
           <p:nvPr/>
         </p:nvSpPr>
@@ -14788,7 +16676,7 @@
       </p:sp>
       <p:sp>
         <p:nvSpPr>
-          <p:cNvPr id="196" name="Google Shape;196;p24"/>
+          <p:cNvPr id="212" name="Google Shape;212;p26"/>
           <p:cNvSpPr/>
           <p:nvPr/>
         </p:nvSpPr>
@@ -14834,7 +16722,7 @@
       </p:sp>
       <p:sp>
         <p:nvSpPr>
-          <p:cNvPr id="197" name="Google Shape;197;p24"/>
+          <p:cNvPr id="213" name="Google Shape;213;p26"/>
           <p:cNvSpPr/>
           <p:nvPr/>
         </p:nvSpPr>
@@ -14880,7 +16768,7 @@
       </p:sp>
       <p:sp>
         <p:nvSpPr>
-          <p:cNvPr id="198" name="Google Shape;198;p24"/>
+          <p:cNvPr id="214" name="Google Shape;214;p26"/>
           <p:cNvSpPr/>
           <p:nvPr/>
         </p:nvSpPr>
@@ -14926,7 +16814,7 @@
       </p:sp>
       <p:sp>
         <p:nvSpPr>
-          <p:cNvPr id="199" name="Google Shape;199;p24"/>
+          <p:cNvPr id="215" name="Google Shape;215;p26"/>
           <p:cNvSpPr/>
           <p:nvPr/>
         </p:nvSpPr>
@@ -14972,7 +16860,7 @@
       </p:sp>
       <p:sp>
         <p:nvSpPr>
-          <p:cNvPr id="200" name="Google Shape;200;p24"/>
+          <p:cNvPr id="216" name="Google Shape;216;p26"/>
           <p:cNvSpPr/>
           <p:nvPr/>
         </p:nvSpPr>
@@ -15018,7 +16906,7 @@
       </p:sp>
       <p:sp>
         <p:nvSpPr>
-          <p:cNvPr id="201" name="Google Shape;201;p24"/>
+          <p:cNvPr id="217" name="Google Shape;217;p26"/>
           <p:cNvSpPr/>
           <p:nvPr/>
         </p:nvSpPr>
@@ -15064,7 +16952,7 @@
       </p:sp>
       <p:sp>
         <p:nvSpPr>
-          <p:cNvPr id="202" name="Google Shape;202;p24"/>
+          <p:cNvPr id="218" name="Google Shape;218;p26"/>
           <p:cNvSpPr/>
           <p:nvPr/>
         </p:nvSpPr>
@@ -15110,7 +16998,7 @@
       </p:sp>
       <p:sp>
         <p:nvSpPr>
-          <p:cNvPr id="203" name="Google Shape;203;p24"/>
+          <p:cNvPr id="219" name="Google Shape;219;p26"/>
           <p:cNvSpPr/>
           <p:nvPr/>
         </p:nvSpPr>
@@ -15156,7 +17044,7 @@
       </p:sp>
       <p:sp>
         <p:nvSpPr>
-          <p:cNvPr id="204" name="Google Shape;204;p24"/>
+          <p:cNvPr id="220" name="Google Shape;220;p26"/>
           <p:cNvSpPr/>
           <p:nvPr/>
         </p:nvSpPr>
@@ -15202,7 +17090,7 @@
       </p:sp>
       <p:sp>
         <p:nvSpPr>
-          <p:cNvPr id="205" name="Google Shape;205;p24"/>
+          <p:cNvPr id="221" name="Google Shape;221;p26"/>
           <p:cNvSpPr/>
           <p:nvPr/>
         </p:nvSpPr>
@@ -15248,7 +17136,7 @@
       </p:sp>
       <p:sp>
         <p:nvSpPr>
-          <p:cNvPr id="206" name="Google Shape;206;p24"/>
+          <p:cNvPr id="222" name="Google Shape;222;p26"/>
           <p:cNvSpPr/>
           <p:nvPr/>
         </p:nvSpPr>
@@ -15294,7 +17182,7 @@
       </p:sp>
       <p:sp>
         <p:nvSpPr>
-          <p:cNvPr id="207" name="Google Shape;207;p24"/>
+          <p:cNvPr id="223" name="Google Shape;223;p26"/>
           <p:cNvSpPr txBox="1"/>
           <p:nvPr/>
         </p:nvSpPr>
@@ -15369,7 +17257,7 @@
       </p:sp>
       <p:sp>
         <p:nvSpPr>
-          <p:cNvPr id="208" name="Google Shape;208;p24"/>
+          <p:cNvPr id="224" name="Google Shape;224;p26"/>
           <p:cNvSpPr/>
           <p:nvPr/>
         </p:nvSpPr>
@@ -15415,7 +17303,7 @@
       </p:sp>
       <p:sp>
         <p:nvSpPr>
-          <p:cNvPr id="209" name="Google Shape;209;p24"/>
+          <p:cNvPr id="225" name="Google Shape;225;p26"/>
           <p:cNvSpPr txBox="1"/>
           <p:nvPr/>
         </p:nvSpPr>
@@ -15490,7 +17378,7 @@
       </p:sp>
       <p:sp>
         <p:nvSpPr>
-          <p:cNvPr id="210" name="Google Shape;210;p24"/>
+          <p:cNvPr id="226" name="Google Shape;226;p26"/>
           <p:cNvSpPr txBox="1"/>
           <p:nvPr/>
         </p:nvSpPr>
@@ -15565,7 +17453,7 @@
       </p:sp>
       <p:sp>
         <p:nvSpPr>
-          <p:cNvPr id="211" name="Google Shape;211;p24"/>
+          <p:cNvPr id="227" name="Google Shape;227;p26"/>
           <p:cNvSpPr/>
           <p:nvPr/>
         </p:nvSpPr>
@@ -15611,7 +17499,7 @@
       </p:sp>
       <p:sp>
         <p:nvSpPr>
-          <p:cNvPr id="212" name="Google Shape;212;p24"/>
+          <p:cNvPr id="228" name="Google Shape;228;p26"/>
           <p:cNvSpPr/>
           <p:nvPr/>
         </p:nvSpPr>
@@ -15657,7 +17545,7 @@
       </p:sp>
       <p:sp>
         <p:nvSpPr>
-          <p:cNvPr id="213" name="Google Shape;213;p24"/>
+          <p:cNvPr id="229" name="Google Shape;229;p26"/>
           <p:cNvSpPr/>
           <p:nvPr/>
         </p:nvSpPr>
@@ -15703,7 +17591,7 @@
       </p:sp>
       <p:sp>
         <p:nvSpPr>
-          <p:cNvPr id="214" name="Google Shape;214;p24"/>
+          <p:cNvPr id="230" name="Google Shape;230;p26"/>
           <p:cNvSpPr txBox="1"/>
           <p:nvPr/>
         </p:nvSpPr>
@@ -15778,7 +17666,7 @@
       </p:sp>
       <p:sp>
         <p:nvSpPr>
-          <p:cNvPr id="215" name="Google Shape;215;p24"/>
+          <p:cNvPr id="231" name="Google Shape;231;p26"/>
           <p:cNvSpPr/>
           <p:nvPr/>
         </p:nvSpPr>
@@ -15824,7 +17712,7 @@
       </p:sp>
       <p:sp>
         <p:nvSpPr>
-          <p:cNvPr id="216" name="Google Shape;216;p24"/>
+          <p:cNvPr id="232" name="Google Shape;232;p26"/>
           <p:cNvSpPr txBox="1"/>
           <p:nvPr/>
         </p:nvSpPr>
@@ -15899,7 +17787,7 @@
       </p:sp>
       <p:pic>
         <p:nvPicPr>
-          <p:cNvPr id="217" name="Google Shape;217;p24"/>
+          <p:cNvPr id="233" name="Google Shape;233;p26"/>
           <p:cNvPicPr preferRelativeResize="0"/>
           <p:nvPr/>
         </p:nvPicPr>
@@ -15938,7 +17826,7 @@
       </p:pic>
       <p:pic>
         <p:nvPicPr>
-          <p:cNvPr id="218" name="Google Shape;218;p24"/>
+          <p:cNvPr id="234" name="Google Shape;234;p26"/>
           <p:cNvPicPr preferRelativeResize="0"/>
           <p:nvPr/>
         </p:nvPicPr>
@@ -15983,12 +17871,12 @@
 </p:sld>
 </file>
 
-<file path=ppt/slides/slide11.xml><?xml version="1.0" encoding="utf-8"?>
+<file path=ppt/slides/slide13.xml><?xml version="1.0" encoding="utf-8"?>
 <p:sld xmlns:a="http://schemas.openxmlformats.org/drawingml/2006/main" xmlns:r="http://schemas.openxmlformats.org/officeDocument/2006/relationships" xmlns:p="http://schemas.openxmlformats.org/presentationml/2006/main">
   <p:cSld>
     <p:spTree>
       <p:nvGrpSpPr>
-        <p:cNvPr id="1" name="Shape 222"/>
+        <p:cNvPr id="1" name="Shape 238"/>
         <p:cNvGrpSpPr/>
         <p:nvPr/>
       </p:nvGrpSpPr>
@@ -16002,7 +17890,7 @@
       </p:grpSpPr>
       <p:sp>
         <p:nvSpPr>
-          <p:cNvPr id="223" name="Google Shape;223;p25"/>
+          <p:cNvPr id="239" name="Google Shape;239;p27"/>
           <p:cNvSpPr txBox="1"/>
           <p:nvPr/>
         </p:nvSpPr>
@@ -16068,7 +17956,7 @@
       </p:sp>
       <p:sp>
         <p:nvSpPr>
-          <p:cNvPr id="224" name="Google Shape;224;p25"/>
+          <p:cNvPr id="240" name="Google Shape;240;p27"/>
           <p:cNvSpPr txBox="1"/>
           <p:nvPr/>
         </p:nvSpPr>
@@ -16250,7 +18138,7 @@
       </p:sp>
       <p:pic>
         <p:nvPicPr>
-          <p:cNvPr id="225" name="Google Shape;225;p25"/>
+          <p:cNvPr id="241" name="Google Shape;241;p27"/>
           <p:cNvPicPr preferRelativeResize="0"/>
           <p:nvPr/>
         </p:nvPicPr>
@@ -16276,14 +18164,20 @@
             <a:avLst/>
           </a:prstGeom>
           <a:noFill/>
-          <a:ln>
-            <a:noFill/>
+          <a:ln w="9525" cap="flat" cmpd="sng">
+            <a:solidFill>
+              <a:srgbClr val="FF0000"/>
+            </a:solidFill>
+            <a:prstDash val="solid"/>
+            <a:round/>
+            <a:headEnd type="none" w="sm" len="sm"/>
+            <a:tailEnd type="none" w="sm" len="sm"/>
           </a:ln>
         </p:spPr>
       </p:pic>
       <p:pic>
         <p:nvPicPr>
-          <p:cNvPr id="226" name="Google Shape;226;p25"/>
+          <p:cNvPr id="242" name="Google Shape;242;p27"/>
           <p:cNvPicPr preferRelativeResize="0"/>
           <p:nvPr/>
         </p:nvPicPr>
@@ -16309,14 +18203,20 @@
             <a:avLst/>
           </a:prstGeom>
           <a:noFill/>
-          <a:ln>
-            <a:noFill/>
+          <a:ln w="9525" cap="flat" cmpd="sng">
+            <a:solidFill>
+              <a:srgbClr val="FF0000"/>
+            </a:solidFill>
+            <a:prstDash val="solid"/>
+            <a:round/>
+            <a:headEnd type="none" w="sm" len="sm"/>
+            <a:tailEnd type="none" w="sm" len="sm"/>
           </a:ln>
         </p:spPr>
       </p:pic>
       <p:pic>
         <p:nvPicPr>
-          <p:cNvPr id="227" name="Google Shape;227;p25"/>
+          <p:cNvPr id="243" name="Google Shape;243;p27"/>
           <p:cNvPicPr preferRelativeResize="0"/>
           <p:nvPr/>
         </p:nvPicPr>
@@ -16335,18 +18235,228 @@
         </p:blipFill>
         <p:spPr>
           <a:xfrm>
-            <a:off x="3794125" y="2712175"/>
+            <a:off x="3194700" y="3698850"/>
             <a:ext cx="4874074" cy="1298225"/>
           </a:xfrm>
           <a:prstGeom prst="rect">
             <a:avLst/>
           </a:prstGeom>
           <a:noFill/>
-          <a:ln>
-            <a:noFill/>
+          <a:ln w="9525" cap="flat" cmpd="sng">
+            <a:solidFill>
+              <a:srgbClr val="FF0000"/>
+            </a:solidFill>
+            <a:prstDash val="solid"/>
+            <a:round/>
+            <a:headEnd type="none" w="sm" len="sm"/>
+            <a:tailEnd type="none" w="sm" len="sm"/>
           </a:ln>
         </p:spPr>
       </p:pic>
+      <p:pic>
+        <p:nvPicPr>
+          <p:cNvPr id="244" name="Google Shape;244;p27"/>
+          <p:cNvPicPr preferRelativeResize="0"/>
+          <p:nvPr/>
+        </p:nvPicPr>
+        <p:blipFill>
+          <a:blip r:embed="rId8" cstate="email">
+            <a:alphaModFix/>
+            <a:extLst>
+              <a:ext uri="{28A0092B-C50C-407E-A947-70E740481C1C}">
+                <a14:useLocalDpi xmlns:a14="http://schemas.microsoft.com/office/drawing/2010/main"/>
+              </a:ext>
+            </a:extLst>
+          </a:blip>
+          <a:stretch>
+            <a:fillRect/>
+          </a:stretch>
+        </p:blipFill>
+        <p:spPr>
+          <a:xfrm>
+            <a:off x="7654650" y="1464625"/>
+            <a:ext cx="1298225" cy="1298225"/>
+          </a:xfrm>
+          <a:prstGeom prst="rect">
+            <a:avLst/>
+          </a:prstGeom>
+          <a:noFill/>
+          <a:ln w="9525" cap="flat" cmpd="sng">
+            <a:solidFill>
+              <a:srgbClr val="FF0000"/>
+            </a:solidFill>
+            <a:prstDash val="solid"/>
+            <a:round/>
+            <a:headEnd type="none" w="sm" len="sm"/>
+            <a:tailEnd type="none" w="sm" len="sm"/>
+          </a:ln>
+        </p:spPr>
+      </p:pic>
+      <p:pic>
+        <p:nvPicPr>
+          <p:cNvPr id="245" name="Google Shape;245;p27"/>
+          <p:cNvPicPr preferRelativeResize="0"/>
+          <p:nvPr/>
+        </p:nvPicPr>
+        <p:blipFill>
+          <a:blip r:embed="rId9" cstate="email">
+            <a:alphaModFix/>
+            <a:extLst>
+              <a:ext uri="{28A0092B-C50C-407E-A947-70E740481C1C}">
+                <a14:useLocalDpi xmlns:a14="http://schemas.microsoft.com/office/drawing/2010/main"/>
+              </a:ext>
+            </a:extLst>
+          </a:blip>
+          <a:stretch>
+            <a:fillRect/>
+          </a:stretch>
+        </p:blipFill>
+        <p:spPr>
+          <a:xfrm>
+            <a:off x="3267948" y="2122375"/>
+            <a:ext cx="1132259" cy="1298225"/>
+          </a:xfrm>
+          <a:prstGeom prst="rect">
+            <a:avLst/>
+          </a:prstGeom>
+          <a:noFill/>
+          <a:ln w="9525" cap="flat" cmpd="sng">
+            <a:solidFill>
+              <a:srgbClr val="FF0000"/>
+            </a:solidFill>
+            <a:prstDash val="solid"/>
+            <a:round/>
+            <a:headEnd type="none" w="sm" len="sm"/>
+            <a:tailEnd type="none" w="sm" len="sm"/>
+          </a:ln>
+        </p:spPr>
+      </p:pic>
+      <p:sp>
+        <p:nvSpPr>
+          <p:cNvPr id="246" name="Google Shape;246;p27"/>
+          <p:cNvSpPr txBox="1"/>
+          <p:nvPr/>
+        </p:nvSpPr>
+        <p:spPr>
+          <a:xfrm>
+            <a:off x="3194700" y="3420600"/>
+            <a:ext cx="1298100" cy="218400"/>
+          </a:xfrm>
+          <a:prstGeom prst="rect">
+            <a:avLst/>
+          </a:prstGeom>
+          <a:solidFill>
+            <a:srgbClr val="FFF2CC"/>
+          </a:solidFill>
+          <a:ln w="9525" cap="flat" cmpd="sng">
+            <a:solidFill>
+              <a:srgbClr val="FF0000"/>
+            </a:solidFill>
+            <a:prstDash val="solid"/>
+            <a:round/>
+            <a:headEnd type="none" w="sm" len="sm"/>
+            <a:tailEnd type="none" w="sm" len="sm"/>
+          </a:ln>
+        </p:spPr>
+        <p:txBody>
+          <a:bodyPr spcFirstLastPara="1" wrap="square" lIns="9125" tIns="9125" rIns="9125" bIns="9125" anchor="t" anchorCtr="0">
+            <a:spAutoFit/>
+          </a:bodyPr>
+          <a:lstStyle/>
+          <a:p>
+            <a:pPr marL="0" lvl="0" indent="0" algn="ctr" rtl="0">
+              <a:spcBef>
+                <a:spcPts val="0"/>
+              </a:spcBef>
+              <a:spcAft>
+                <a:spcPts val="0"/>
+              </a:spcAft>
+              <a:buNone/>
+            </a:pPr>
+            <a:r>
+              <a:rPr lang="en" sz="1300">
+                <a:latin typeface="Calibri"/>
+                <a:ea typeface="Calibri"/>
+                <a:cs typeface="Calibri"/>
+                <a:sym typeface="Calibri"/>
+              </a:rPr>
+              <a:t>Mark Zuckerberg</a:t>
+            </a:r>
+            <a:endParaRPr sz="1300">
+              <a:solidFill>
+                <a:schemeClr val="dk1"/>
+              </a:solidFill>
+              <a:latin typeface="Calibri"/>
+              <a:ea typeface="Calibri"/>
+              <a:cs typeface="Calibri"/>
+              <a:sym typeface="Calibri"/>
+            </a:endParaRPr>
+          </a:p>
+        </p:txBody>
+      </p:sp>
+      <p:sp>
+        <p:nvSpPr>
+          <p:cNvPr id="247" name="Google Shape;247;p27"/>
+          <p:cNvSpPr txBox="1"/>
+          <p:nvPr/>
+        </p:nvSpPr>
+        <p:spPr>
+          <a:xfrm>
+            <a:off x="7654713" y="2762850"/>
+            <a:ext cx="1298100" cy="218400"/>
+          </a:xfrm>
+          <a:prstGeom prst="rect">
+            <a:avLst/>
+          </a:prstGeom>
+          <a:solidFill>
+            <a:srgbClr val="FFF2CC"/>
+          </a:solidFill>
+          <a:ln w="9525" cap="flat" cmpd="sng">
+            <a:solidFill>
+              <a:srgbClr val="FF0000"/>
+            </a:solidFill>
+            <a:prstDash val="solid"/>
+            <a:round/>
+            <a:headEnd type="none" w="sm" len="sm"/>
+            <a:tailEnd type="none" w="sm" len="sm"/>
+          </a:ln>
+        </p:spPr>
+        <p:txBody>
+          <a:bodyPr spcFirstLastPara="1" wrap="square" lIns="9125" tIns="9125" rIns="9125" bIns="9125" anchor="t" anchorCtr="0">
+            <a:spAutoFit/>
+          </a:bodyPr>
+          <a:lstStyle/>
+          <a:p>
+            <a:pPr marL="0" lvl="0" indent="0" algn="ctr" rtl="0">
+              <a:spcBef>
+                <a:spcPts val="0"/>
+              </a:spcBef>
+              <a:spcAft>
+                <a:spcPts val="0"/>
+              </a:spcAft>
+              <a:buNone/>
+            </a:pPr>
+            <a:r>
+              <a:rPr lang="en" sz="1300">
+                <a:latin typeface="Calibri"/>
+                <a:ea typeface="Calibri"/>
+                <a:cs typeface="Calibri"/>
+                <a:sym typeface="Calibri"/>
+              </a:rPr>
+              <a:t>Marc Benioff</a:t>
+            </a:r>
+            <a:endParaRPr sz="1300">
+              <a:solidFill>
+                <a:schemeClr val="dk1"/>
+              </a:solidFill>
+              <a:latin typeface="Calibri"/>
+              <a:ea typeface="Calibri"/>
+              <a:cs typeface="Calibri"/>
+              <a:sym typeface="Calibri"/>
+            </a:endParaRPr>
+          </a:p>
+        </p:txBody>
+      </p:sp>
     </p:spTree>
   </p:cSld>
   <p:clrMapOvr>
@@ -16355,12 +18465,12 @@
 </p:sld>
 </file>
 
-<file path=ppt/slides/slide12.xml><?xml version="1.0" encoding="utf-8"?>
+<file path=ppt/slides/slide14.xml><?xml version="1.0" encoding="utf-8"?>
 <p:sld xmlns:a="http://schemas.openxmlformats.org/drawingml/2006/main" xmlns:r="http://schemas.openxmlformats.org/officeDocument/2006/relationships" xmlns:p="http://schemas.openxmlformats.org/presentationml/2006/main">
   <p:cSld>
     <p:spTree>
       <p:nvGrpSpPr>
-        <p:cNvPr id="1" name="Shape 231"/>
+        <p:cNvPr id="1" name="Shape 251"/>
         <p:cNvGrpSpPr/>
         <p:nvPr/>
       </p:nvGrpSpPr>
@@ -16374,7 +18484,7 @@
       </p:grpSpPr>
       <p:pic>
         <p:nvPicPr>
-          <p:cNvPr id="232" name="Google Shape;232;p26"/>
+          <p:cNvPr id="252" name="Google Shape;252;p28"/>
           <p:cNvPicPr preferRelativeResize="0"/>
           <p:nvPr/>
         </p:nvPicPr>
@@ -16406,7 +18516,7 @@
       </p:pic>
       <p:sp>
         <p:nvSpPr>
-          <p:cNvPr id="233" name="Google Shape;233;p26"/>
+          <p:cNvPr id="253" name="Google Shape;253;p28"/>
           <p:cNvSpPr txBox="1"/>
           <p:nvPr/>
         </p:nvSpPr>
@@ -16472,7 +18582,7 @@
       </p:sp>
       <p:sp>
         <p:nvSpPr>
-          <p:cNvPr id="234" name="Google Shape;234;p26"/>
+          <p:cNvPr id="254" name="Google Shape;254;p28"/>
           <p:cNvSpPr txBox="1"/>
           <p:nvPr/>
         </p:nvSpPr>
@@ -16902,7 +19012,7 @@
       </p:sp>
       <p:pic>
         <p:nvPicPr>
-          <p:cNvPr id="235" name="Google Shape;235;p26"/>
+          <p:cNvPr id="255" name="Google Shape;255;p28"/>
           <p:cNvPicPr preferRelativeResize="0"/>
           <p:nvPr/>
         </p:nvPicPr>
@@ -16934,7 +19044,7 @@
       </p:pic>
       <p:sp>
         <p:nvSpPr>
-          <p:cNvPr id="236" name="Google Shape;236;p26"/>
+          <p:cNvPr id="256" name="Google Shape;256;p28"/>
           <p:cNvSpPr txBox="1"/>
           <p:nvPr/>
         </p:nvSpPr>
@@ -17013,7 +19123,7 @@
       </p:sp>
       <p:sp>
         <p:nvSpPr>
-          <p:cNvPr id="237" name="Google Shape;237;p26"/>
+          <p:cNvPr id="257" name="Google Shape;257;p28"/>
           <p:cNvSpPr txBox="1"/>
           <p:nvPr/>
         </p:nvSpPr>
@@ -17085,12 +19195,12 @@
 </p:sld>
 </file>
 
-<file path=ppt/slides/slide13.xml><?xml version="1.0" encoding="utf-8"?>
+<file path=ppt/slides/slide15.xml><?xml version="1.0" encoding="utf-8"?>
 <p:sld xmlns:a="http://schemas.openxmlformats.org/drawingml/2006/main" xmlns:r="http://schemas.openxmlformats.org/officeDocument/2006/relationships" xmlns:p="http://schemas.openxmlformats.org/presentationml/2006/main">
   <p:cSld>
     <p:spTree>
       <p:nvGrpSpPr>
-        <p:cNvPr id="1" name="Shape 241"/>
+        <p:cNvPr id="1" name="Shape 261"/>
         <p:cNvGrpSpPr/>
         <p:nvPr/>
       </p:nvGrpSpPr>
@@ -17104,7 +19214,7 @@
       </p:grpSpPr>
       <p:sp>
         <p:nvSpPr>
-          <p:cNvPr id="242" name="Google Shape;242;p27"/>
+          <p:cNvPr id="262" name="Google Shape;262;p29"/>
           <p:cNvSpPr txBox="1"/>
           <p:nvPr/>
         </p:nvSpPr>
@@ -20056,8 +22166,8 @@
         </p:blipFill>
         <p:spPr>
           <a:xfrm>
-            <a:off x="4672867" y="3545250"/>
-            <a:ext cx="2138910" cy="1218899"/>
+            <a:off x="4672880" y="3001326"/>
+            <a:ext cx="3392823" cy="1933475"/>
           </a:xfrm>
           <a:prstGeom prst="rect">
             <a:avLst/>
@@ -23501,7 +25611,7 @@
                 <a:cs typeface="Calibri"/>
                 <a:sym typeface="Calibri"/>
               </a:rPr>
-              <a:t>Rust &amp; WebAssembly (Wasm)</a:t>
+              <a:t>Google Mind Evolution</a:t>
             </a:r>
             <a:endParaRPr sz="2000" b="1">
               <a:solidFill>
@@ -23518,6 +25628,622 @@
       <p:sp>
         <p:nvSpPr>
           <p:cNvPr id="143" name="Google Shape;143;p22"/>
+          <p:cNvSpPr txBox="1"/>
+          <p:nvPr/>
+        </p:nvSpPr>
+        <p:spPr>
+          <a:xfrm>
+            <a:off x="43550" y="364850"/>
+            <a:ext cx="3622200" cy="4051200"/>
+          </a:xfrm>
+          <a:prstGeom prst="rect">
+            <a:avLst/>
+          </a:prstGeom>
+          <a:solidFill>
+            <a:srgbClr val="FFF2CC"/>
+          </a:solidFill>
+          <a:ln w="9525" cap="flat" cmpd="sng">
+            <a:solidFill>
+              <a:srgbClr val="FF0000"/>
+            </a:solidFill>
+            <a:prstDash val="solid"/>
+            <a:round/>
+            <a:headEnd type="none" w="sm" len="sm"/>
+            <a:tailEnd type="none" w="sm" len="sm"/>
+          </a:ln>
+        </p:spPr>
+        <p:txBody>
+          <a:bodyPr spcFirstLastPara="1" wrap="square" lIns="9125" tIns="9125" rIns="9125" bIns="9125" anchor="t" anchorCtr="0">
+            <a:spAutoFit/>
+          </a:bodyPr>
+          <a:lstStyle/>
+          <a:p>
+            <a:pPr marL="171450" lvl="0" indent="-133350" algn="l" rtl="0">
+              <a:spcBef>
+                <a:spcPts val="0"/>
+              </a:spcBef>
+              <a:spcAft>
+                <a:spcPts val="0"/>
+              </a:spcAft>
+              <a:buClr>
+                <a:schemeClr val="dk1"/>
+              </a:buClr>
+              <a:buSzPts val="1200"/>
+              <a:buFont typeface="Calibri"/>
+              <a:buChar char="●"/>
+            </a:pPr>
+            <a:r>
+              <a:rPr lang="en" sz="1200" b="1">
+                <a:solidFill>
+                  <a:srgbClr val="3C78D8"/>
+                </a:solidFill>
+                <a:latin typeface="Calibri"/>
+                <a:ea typeface="Calibri"/>
+                <a:cs typeface="Calibri"/>
+                <a:sym typeface="Calibri"/>
+              </a:rPr>
+              <a:t>"Evolving Deeper LLM Thinking"</a:t>
+            </a:r>
+            <a:r>
+              <a:rPr lang="en" sz="1000">
+                <a:latin typeface="Calibri"/>
+                <a:ea typeface="Calibri"/>
+                <a:cs typeface="Calibri"/>
+                <a:sym typeface="Calibri"/>
+              </a:rPr>
+              <a:t> </a:t>
+            </a:r>
+            <a:br>
+              <a:rPr lang="en" sz="1000">
+                <a:latin typeface="Calibri"/>
+                <a:ea typeface="Calibri"/>
+                <a:cs typeface="Calibri"/>
+                <a:sym typeface="Calibri"/>
+              </a:rPr>
+            </a:br>
+            <a:r>
+              <a:rPr lang="en" sz="1000" u="sng">
+                <a:solidFill>
+                  <a:schemeClr val="hlink"/>
+                </a:solidFill>
+                <a:latin typeface="Calibri"/>
+                <a:ea typeface="Calibri"/>
+                <a:cs typeface="Calibri"/>
+                <a:sym typeface="Calibri"/>
+                <a:hlinkClick r:id="rId3"/>
+              </a:rPr>
+              <a:t>https://arxiv.org/abs/2501.09891</a:t>
+            </a:r>
+            <a:endParaRPr sz="1000">
+              <a:solidFill>
+                <a:schemeClr val="dk1"/>
+              </a:solidFill>
+              <a:latin typeface="Calibri"/>
+              <a:ea typeface="Calibri"/>
+              <a:cs typeface="Calibri"/>
+              <a:sym typeface="Calibri"/>
+            </a:endParaRPr>
+          </a:p>
+          <a:p>
+            <a:pPr marL="171450" lvl="0" indent="-133350" algn="l" rtl="0">
+              <a:spcBef>
+                <a:spcPts val="0"/>
+              </a:spcBef>
+              <a:spcAft>
+                <a:spcPts val="0"/>
+              </a:spcAft>
+              <a:buClr>
+                <a:schemeClr val="dk1"/>
+              </a:buClr>
+              <a:buSzPts val="1200"/>
+              <a:buFont typeface="Calibri"/>
+              <a:buChar char="●"/>
+            </a:pPr>
+            <a:r>
+              <a:rPr lang="en" sz="1200" b="1">
+                <a:solidFill>
+                  <a:srgbClr val="3C78D8"/>
+                </a:solidFill>
+                <a:latin typeface="Calibri"/>
+                <a:ea typeface="Calibri"/>
+                <a:cs typeface="Calibri"/>
+                <a:sym typeface="Calibri"/>
+              </a:rPr>
+              <a:t>Google DeepMind's Mind Evolution</a:t>
+            </a:r>
+            <a:r>
+              <a:rPr lang="en" sz="1200">
+                <a:solidFill>
+                  <a:schemeClr val="dk1"/>
+                </a:solidFill>
+                <a:latin typeface="Calibri"/>
+                <a:ea typeface="Calibri"/>
+                <a:cs typeface="Calibri"/>
+                <a:sym typeface="Calibri"/>
+              </a:rPr>
+              <a:t> </a:t>
+            </a:r>
+            <a:endParaRPr sz="1200">
+              <a:solidFill>
+                <a:schemeClr val="dk1"/>
+              </a:solidFill>
+              <a:latin typeface="Calibri"/>
+              <a:ea typeface="Calibri"/>
+              <a:cs typeface="Calibri"/>
+              <a:sym typeface="Calibri"/>
+            </a:endParaRPr>
+          </a:p>
+          <a:p>
+            <a:pPr marL="171450" lvl="0" indent="-133350" algn="l" rtl="0">
+              <a:spcBef>
+                <a:spcPts val="0"/>
+              </a:spcBef>
+              <a:spcAft>
+                <a:spcPts val="0"/>
+              </a:spcAft>
+              <a:buClr>
+                <a:schemeClr val="dk1"/>
+              </a:buClr>
+              <a:buSzPts val="1200"/>
+              <a:buFont typeface="Calibri"/>
+              <a:buChar char="●"/>
+            </a:pPr>
+            <a:r>
+              <a:rPr lang="en" sz="1200" b="1">
+                <a:solidFill>
+                  <a:srgbClr val="3C78D8"/>
+                </a:solidFill>
+                <a:latin typeface="Calibri"/>
+                <a:ea typeface="Calibri"/>
+                <a:cs typeface="Calibri"/>
+                <a:sym typeface="Calibri"/>
+              </a:rPr>
+              <a:t>Evolutionary Search</a:t>
+            </a:r>
+            <a:r>
+              <a:rPr lang="en" sz="1200">
+                <a:solidFill>
+                  <a:schemeClr val="dk1"/>
+                </a:solidFill>
+                <a:latin typeface="Calibri"/>
+                <a:ea typeface="Calibri"/>
+                <a:cs typeface="Calibri"/>
+                <a:sym typeface="Calibri"/>
+              </a:rPr>
+              <a:t> - uses genetic algorithm where the LLM generates, recombines, and refines candidate solutions based on feedback from an evaluator</a:t>
+            </a:r>
+            <a:endParaRPr sz="1200">
+              <a:solidFill>
+                <a:schemeClr val="dk1"/>
+              </a:solidFill>
+              <a:latin typeface="Calibri"/>
+              <a:ea typeface="Calibri"/>
+              <a:cs typeface="Calibri"/>
+              <a:sym typeface="Calibri"/>
+            </a:endParaRPr>
+          </a:p>
+          <a:p>
+            <a:pPr marL="171450" lvl="0" indent="-133350" algn="l" rtl="0">
+              <a:spcBef>
+                <a:spcPts val="0"/>
+              </a:spcBef>
+              <a:spcAft>
+                <a:spcPts val="0"/>
+              </a:spcAft>
+              <a:buClr>
+                <a:schemeClr val="dk1"/>
+              </a:buClr>
+              <a:buSzPts val="1200"/>
+              <a:buFont typeface="Calibri"/>
+              <a:buChar char="●"/>
+            </a:pPr>
+            <a:r>
+              <a:rPr lang="en" sz="1200" b="1">
+                <a:solidFill>
+                  <a:srgbClr val="3C78D8"/>
+                </a:solidFill>
+                <a:latin typeface="Calibri"/>
+                <a:ea typeface="Calibri"/>
+                <a:cs typeface="Calibri"/>
+                <a:sym typeface="Calibri"/>
+              </a:rPr>
+              <a:t>Global Refinement</a:t>
+            </a:r>
+            <a:r>
+              <a:rPr lang="en" sz="1200">
+                <a:solidFill>
+                  <a:schemeClr val="dk1"/>
+                </a:solidFill>
+                <a:latin typeface="Calibri"/>
+                <a:ea typeface="Calibri"/>
+                <a:cs typeface="Calibri"/>
+                <a:sym typeface="Calibri"/>
+              </a:rPr>
+              <a:t> - Mind Evolution refines complete solutions, not step-by-step</a:t>
+            </a:r>
+            <a:endParaRPr sz="1200">
+              <a:solidFill>
+                <a:schemeClr val="dk1"/>
+              </a:solidFill>
+              <a:latin typeface="Calibri"/>
+              <a:ea typeface="Calibri"/>
+              <a:cs typeface="Calibri"/>
+              <a:sym typeface="Calibri"/>
+            </a:endParaRPr>
+          </a:p>
+          <a:p>
+            <a:pPr marL="171450" lvl="0" indent="-133350" algn="l" rtl="0">
+              <a:spcBef>
+                <a:spcPts val="0"/>
+              </a:spcBef>
+              <a:spcAft>
+                <a:spcPts val="0"/>
+              </a:spcAft>
+              <a:buClr>
+                <a:schemeClr val="dk1"/>
+              </a:buClr>
+              <a:buSzPts val="1200"/>
+              <a:buFont typeface="Calibri"/>
+              <a:buChar char="●"/>
+            </a:pPr>
+            <a:r>
+              <a:rPr lang="en" sz="1200" b="1">
+                <a:solidFill>
+                  <a:srgbClr val="3C78D8"/>
+                </a:solidFill>
+                <a:latin typeface="Calibri"/>
+                <a:ea typeface="Calibri"/>
+                <a:cs typeface="Calibri"/>
+                <a:sym typeface="Calibri"/>
+              </a:rPr>
+              <a:t>Parallelization</a:t>
+            </a:r>
+            <a:r>
+              <a:rPr lang="en" sz="1200">
+                <a:solidFill>
+                  <a:schemeClr val="dk1"/>
+                </a:solidFill>
+                <a:latin typeface="Calibri"/>
+                <a:ea typeface="Calibri"/>
+                <a:cs typeface="Calibri"/>
+                <a:sym typeface="Calibri"/>
+              </a:rPr>
+              <a:t> - the process can be easily parallelized to speed up exploration of the solution space. Significant Performance Improvement</a:t>
+            </a:r>
+            <a:endParaRPr sz="1200">
+              <a:solidFill>
+                <a:schemeClr val="dk1"/>
+              </a:solidFill>
+              <a:latin typeface="Calibri"/>
+              <a:ea typeface="Calibri"/>
+              <a:cs typeface="Calibri"/>
+              <a:sym typeface="Calibri"/>
+            </a:endParaRPr>
+          </a:p>
+          <a:p>
+            <a:pPr marL="171450" lvl="0" indent="-133350" algn="l" rtl="0">
+              <a:spcBef>
+                <a:spcPts val="0"/>
+              </a:spcBef>
+              <a:spcAft>
+                <a:spcPts val="0"/>
+              </a:spcAft>
+              <a:buClr>
+                <a:schemeClr val="dk1"/>
+              </a:buClr>
+              <a:buSzPts val="1200"/>
+              <a:buFont typeface="Calibri"/>
+              <a:buChar char="●"/>
+            </a:pPr>
+            <a:r>
+              <a:rPr lang="en" sz="1200" b="1">
+                <a:solidFill>
+                  <a:srgbClr val="3C78D8"/>
+                </a:solidFill>
+                <a:latin typeface="Calibri"/>
+                <a:ea typeface="Calibri"/>
+                <a:cs typeface="Calibri"/>
+                <a:sym typeface="Calibri"/>
+              </a:rPr>
+              <a:t>No Formal Solver Required</a:t>
+            </a:r>
+            <a:r>
+              <a:rPr lang="en" sz="1200">
+                <a:solidFill>
+                  <a:schemeClr val="dk1"/>
+                </a:solidFill>
+                <a:latin typeface="Calibri"/>
+                <a:ea typeface="Calibri"/>
+                <a:cs typeface="Calibri"/>
+                <a:sym typeface="Calibri"/>
+              </a:rPr>
+              <a:t>: Mind Evolution avoids the need for a formal solver or predefined rules, making it applicable to a wider range of problems</a:t>
+            </a:r>
+            <a:endParaRPr sz="1200">
+              <a:solidFill>
+                <a:schemeClr val="dk1"/>
+              </a:solidFill>
+              <a:latin typeface="Calibri"/>
+              <a:ea typeface="Calibri"/>
+              <a:cs typeface="Calibri"/>
+              <a:sym typeface="Calibri"/>
+            </a:endParaRPr>
+          </a:p>
+          <a:p>
+            <a:pPr marL="171450" lvl="0" indent="-133350" algn="l" rtl="0">
+              <a:spcBef>
+                <a:spcPts val="0"/>
+              </a:spcBef>
+              <a:spcAft>
+                <a:spcPts val="0"/>
+              </a:spcAft>
+              <a:buClr>
+                <a:schemeClr val="dk1"/>
+              </a:buClr>
+              <a:buSzPts val="1200"/>
+              <a:buFont typeface="Calibri"/>
+              <a:buChar char="●"/>
+            </a:pPr>
+            <a:r>
+              <a:rPr lang="en" sz="1200">
+                <a:solidFill>
+                  <a:schemeClr val="dk1"/>
+                </a:solidFill>
+                <a:latin typeface="Calibri"/>
+                <a:ea typeface="Calibri"/>
+                <a:cs typeface="Calibri"/>
+                <a:sym typeface="Calibri"/>
+              </a:rPr>
+              <a:t>Steps: </a:t>
+            </a:r>
+            <a:br>
+              <a:rPr lang="en" sz="1200">
+                <a:solidFill>
+                  <a:schemeClr val="dk1"/>
+                </a:solidFill>
+                <a:latin typeface="Calibri"/>
+                <a:ea typeface="Calibri"/>
+                <a:cs typeface="Calibri"/>
+                <a:sym typeface="Calibri"/>
+              </a:rPr>
+            </a:br>
+            <a:r>
+              <a:rPr lang="en" sz="1200">
+                <a:solidFill>
+                  <a:schemeClr val="dk1"/>
+                </a:solidFill>
+                <a:latin typeface="Calibri"/>
+                <a:ea typeface="Calibri"/>
+                <a:cs typeface="Calibri"/>
+                <a:sym typeface="Calibri"/>
+              </a:rPr>
+              <a:t>(1) The LLM generates an initial set of candidate solutions. </a:t>
+            </a:r>
+            <a:br>
+              <a:rPr lang="en" sz="1200">
+                <a:solidFill>
+                  <a:schemeClr val="dk1"/>
+                </a:solidFill>
+                <a:latin typeface="Calibri"/>
+                <a:ea typeface="Calibri"/>
+                <a:cs typeface="Calibri"/>
+                <a:sym typeface="Calibri"/>
+              </a:rPr>
+            </a:br>
+            <a:r>
+              <a:rPr lang="en" sz="1200">
+                <a:solidFill>
+                  <a:schemeClr val="dk1"/>
+                </a:solidFill>
+                <a:latin typeface="Calibri"/>
+                <a:ea typeface="Calibri"/>
+                <a:cs typeface="Calibri"/>
+                <a:sym typeface="Calibri"/>
+              </a:rPr>
+              <a:t>(2) An evaluator assesses the quality of each solution.</a:t>
+            </a:r>
+            <a:br>
+              <a:rPr lang="en" sz="1200">
+                <a:solidFill>
+                  <a:schemeClr val="dk1"/>
+                </a:solidFill>
+                <a:latin typeface="Calibri"/>
+                <a:ea typeface="Calibri"/>
+                <a:cs typeface="Calibri"/>
+                <a:sym typeface="Calibri"/>
+              </a:rPr>
+            </a:br>
+            <a:r>
+              <a:rPr lang="en" sz="1200">
+                <a:solidFill>
+                  <a:schemeClr val="dk1"/>
+                </a:solidFill>
+                <a:latin typeface="Calibri"/>
+                <a:ea typeface="Calibri"/>
+                <a:cs typeface="Calibri"/>
+                <a:sym typeface="Calibri"/>
+              </a:rPr>
+              <a:t>(3) LLM recombines and refines the most promising solutions based on the evaluator's feedback. </a:t>
+            </a:r>
+            <a:endParaRPr sz="1200">
+              <a:solidFill>
+                <a:schemeClr val="dk1"/>
+              </a:solidFill>
+              <a:latin typeface="Calibri"/>
+              <a:ea typeface="Calibri"/>
+              <a:cs typeface="Calibri"/>
+              <a:sym typeface="Calibri"/>
+            </a:endParaRPr>
+          </a:p>
+          <a:p>
+            <a:pPr marL="171450" lvl="0" indent="-133350" algn="l" rtl="0">
+              <a:spcBef>
+                <a:spcPts val="0"/>
+              </a:spcBef>
+              <a:spcAft>
+                <a:spcPts val="0"/>
+              </a:spcAft>
+              <a:buClr>
+                <a:schemeClr val="dk1"/>
+              </a:buClr>
+              <a:buSzPts val="1200"/>
+              <a:buFont typeface="Calibri"/>
+              <a:buChar char="●"/>
+            </a:pPr>
+            <a:r>
+              <a:rPr lang="en" sz="1200">
+                <a:solidFill>
+                  <a:schemeClr val="dk1"/>
+                </a:solidFill>
+                <a:latin typeface="Calibri"/>
+                <a:ea typeface="Calibri"/>
+                <a:cs typeface="Calibri"/>
+                <a:sym typeface="Calibri"/>
+              </a:rPr>
+              <a:t>Steps 2 and 3 are repeated for several generations, with the population evolving towards better solutions</a:t>
+            </a:r>
+            <a:endParaRPr sz="1200">
+              <a:solidFill>
+                <a:schemeClr val="dk1"/>
+              </a:solidFill>
+              <a:latin typeface="Calibri"/>
+              <a:ea typeface="Calibri"/>
+              <a:cs typeface="Calibri"/>
+              <a:sym typeface="Calibri"/>
+            </a:endParaRPr>
+          </a:p>
+        </p:txBody>
+      </p:sp>
+      <p:pic>
+        <p:nvPicPr>
+          <p:cNvPr id="144" name="Google Shape;144;p22"/>
+          <p:cNvPicPr preferRelativeResize="0"/>
+          <p:nvPr/>
+        </p:nvPicPr>
+        <p:blipFill>
+          <a:blip r:embed="rId4" cstate="email">
+            <a:alphaModFix/>
+            <a:extLst>
+              <a:ext uri="{28A0092B-C50C-407E-A947-70E740481C1C}">
+                <a14:useLocalDpi xmlns:a14="http://schemas.microsoft.com/office/drawing/2010/main"/>
+              </a:ext>
+            </a:extLst>
+          </a:blip>
+          <a:stretch>
+            <a:fillRect/>
+          </a:stretch>
+        </p:blipFill>
+        <p:spPr>
+          <a:xfrm>
+            <a:off x="3748100" y="2563525"/>
+            <a:ext cx="5323801" cy="2487724"/>
+          </a:xfrm>
+          <a:prstGeom prst="rect">
+            <a:avLst/>
+          </a:prstGeom>
+          <a:noFill/>
+          <a:ln w="9525" cap="flat" cmpd="sng">
+            <a:solidFill>
+              <a:srgbClr val="FF0000"/>
+            </a:solidFill>
+            <a:prstDash val="solid"/>
+            <a:round/>
+            <a:headEnd type="none" w="sm" len="sm"/>
+            <a:tailEnd type="none" w="sm" len="sm"/>
+          </a:ln>
+        </p:spPr>
+      </p:pic>
+    </p:spTree>
+  </p:cSld>
+  <p:clrMapOvr>
+    <a:masterClrMapping/>
+  </p:clrMapOvr>
+</p:sld>
+</file>
+
+<file path=ppt/slides/slide9.xml><?xml version="1.0" encoding="utf-8"?>
+<p:sld xmlns:a="http://schemas.openxmlformats.org/drawingml/2006/main" xmlns:r="http://schemas.openxmlformats.org/officeDocument/2006/relationships" xmlns:p="http://schemas.openxmlformats.org/presentationml/2006/main">
+  <p:cSld>
+    <p:spTree>
+      <p:nvGrpSpPr>
+        <p:cNvPr id="1" name="Shape 148"/>
+        <p:cNvGrpSpPr/>
+        <p:nvPr/>
+      </p:nvGrpSpPr>
+      <p:grpSpPr>
+        <a:xfrm>
+          <a:off x="0" y="0"/>
+          <a:ext cx="0" cy="0"/>
+          <a:chOff x="0" y="0"/>
+          <a:chExt cx="0" cy="0"/>
+        </a:xfrm>
+      </p:grpSpPr>
+      <p:sp>
+        <p:nvSpPr>
+          <p:cNvPr id="149" name="Google Shape;149;p23"/>
+          <p:cNvSpPr txBox="1"/>
+          <p:nvPr/>
+        </p:nvSpPr>
+        <p:spPr>
+          <a:xfrm>
+            <a:off x="55075" y="-23450"/>
+            <a:ext cx="3510900" cy="326400"/>
+          </a:xfrm>
+          <a:prstGeom prst="rect">
+            <a:avLst/>
+          </a:prstGeom>
+          <a:noFill/>
+          <a:ln>
+            <a:noFill/>
+          </a:ln>
+        </p:spPr>
+        <p:txBody>
+          <a:bodyPr spcFirstLastPara="1" wrap="square" lIns="9125" tIns="9125" rIns="9125" bIns="9125" anchor="t" anchorCtr="0">
+            <a:spAutoFit/>
+          </a:bodyPr>
+          <a:lstStyle/>
+          <a:p>
+            <a:pPr marL="0" lvl="0" indent="0" algn="l" rtl="0">
+              <a:spcBef>
+                <a:spcPts val="0"/>
+              </a:spcBef>
+              <a:spcAft>
+                <a:spcPts val="0"/>
+              </a:spcAft>
+              <a:buClr>
+                <a:schemeClr val="dk1"/>
+              </a:buClr>
+              <a:buSzPts val="1100"/>
+              <a:buFont typeface="Arial"/>
+              <a:buNone/>
+            </a:pPr>
+            <a:r>
+              <a:rPr lang="en" sz="2000" b="1">
+                <a:solidFill>
+                  <a:schemeClr val="dk1"/>
+                </a:solidFill>
+                <a:latin typeface="Calibri"/>
+                <a:ea typeface="Calibri"/>
+                <a:cs typeface="Calibri"/>
+                <a:sym typeface="Calibri"/>
+              </a:rPr>
+              <a:t>Rust &amp; WebAssembly (Wasm)</a:t>
+            </a:r>
+            <a:endParaRPr sz="2000" b="1">
+              <a:solidFill>
+                <a:schemeClr val="dk1"/>
+              </a:solidFill>
+              <a:latin typeface="Calibri"/>
+              <a:ea typeface="Calibri"/>
+              <a:cs typeface="Calibri"/>
+              <a:sym typeface="Calibri"/>
+            </a:endParaRPr>
+          </a:p>
+        </p:txBody>
+      </p:sp>
+      <p:sp>
+        <p:nvSpPr>
+          <p:cNvPr id="150" name="Google Shape;150;p23"/>
           <p:cNvSpPr txBox="1"/>
           <p:nvPr/>
         </p:nvSpPr>
@@ -24011,7 +26737,7 @@
       </p:sp>
       <p:pic>
         <p:nvPicPr>
-          <p:cNvPr id="144" name="Google Shape;144;p22"/>
+          <p:cNvPr id="151" name="Google Shape;151;p23"/>
           <p:cNvPicPr preferRelativeResize="0"/>
           <p:nvPr/>
         </p:nvPicPr>
@@ -24030,8 +26756,8 @@
         </p:blipFill>
         <p:spPr>
           <a:xfrm>
-            <a:off x="7836700" y="128400"/>
-            <a:ext cx="1155075" cy="1155075"/>
+            <a:off x="8255300" y="51050"/>
+            <a:ext cx="823500" cy="823500"/>
           </a:xfrm>
           <a:prstGeom prst="rect">
             <a:avLst/>
@@ -24044,7 +26770,7 @@
       </p:pic>
       <p:sp>
         <p:nvSpPr>
-          <p:cNvPr id="145" name="Google Shape;145;p22"/>
+          <p:cNvPr id="152" name="Google Shape;152;p23"/>
           <p:cNvSpPr txBox="1"/>
           <p:nvPr/>
         </p:nvSpPr>
@@ -24110,7 +26836,7 @@
       </p:sp>
       <p:sp>
         <p:nvSpPr>
-          <p:cNvPr id="146" name="Google Shape;146;p22"/>
+          <p:cNvPr id="153" name="Google Shape;153;p23"/>
           <p:cNvSpPr txBox="1"/>
           <p:nvPr/>
         </p:nvSpPr>
@@ -24176,7 +26902,7 @@
       </p:sp>
       <p:sp>
         <p:nvSpPr>
-          <p:cNvPr id="147" name="Google Shape;147;p22"/>
+          <p:cNvPr id="154" name="Google Shape;154;p23"/>
           <p:cNvSpPr txBox="1"/>
           <p:nvPr/>
         </p:nvSpPr>
@@ -24242,7 +26968,7 @@
       </p:sp>
       <p:sp>
         <p:nvSpPr>
-          <p:cNvPr id="148" name="Google Shape;148;p22"/>
+          <p:cNvPr id="155" name="Google Shape;155;p23"/>
           <p:cNvSpPr/>
           <p:nvPr/>
         </p:nvSpPr>
@@ -24291,7 +27017,7 @@
       </p:sp>
       <p:sp>
         <p:nvSpPr>
-          <p:cNvPr id="149" name="Google Shape;149;p22"/>
+          <p:cNvPr id="156" name="Google Shape;156;p23"/>
           <p:cNvSpPr/>
           <p:nvPr/>
         </p:nvSpPr>
@@ -24340,13 +27066,13 @@
       </p:sp>
       <p:sp>
         <p:nvSpPr>
-          <p:cNvPr id="150" name="Google Shape;150;p22"/>
+          <p:cNvPr id="157" name="Google Shape;157;p23"/>
           <p:cNvSpPr txBox="1"/>
           <p:nvPr/>
         </p:nvSpPr>
         <p:spPr>
           <a:xfrm>
-            <a:off x="5135832" y="3791699"/>
+            <a:off x="5101457" y="1447399"/>
             <a:ext cx="3984900" cy="988200"/>
           </a:xfrm>
           <a:prstGeom prst="rect">
@@ -24598,13 +27324,13 @@
       </p:sp>
       <p:sp>
         <p:nvSpPr>
-          <p:cNvPr id="151" name="Google Shape;151;p22"/>
+          <p:cNvPr id="158" name="Google Shape;158;p23"/>
           <p:cNvSpPr txBox="1"/>
           <p:nvPr/>
         </p:nvSpPr>
         <p:spPr>
           <a:xfrm>
-            <a:off x="5134185" y="3573050"/>
+            <a:off x="5099810" y="1228750"/>
             <a:ext cx="3151800" cy="218400"/>
           </a:xfrm>
           <a:prstGeom prst="rect">
@@ -24664,13 +27390,13 @@
       </p:sp>
       <p:sp>
         <p:nvSpPr>
-          <p:cNvPr id="152" name="Google Shape;152;p22"/>
+          <p:cNvPr id="159" name="Google Shape;159;p23"/>
           <p:cNvSpPr txBox="1"/>
           <p:nvPr/>
         </p:nvSpPr>
         <p:spPr>
           <a:xfrm>
-            <a:off x="5157245" y="449388"/>
+            <a:off x="5186245" y="51038"/>
             <a:ext cx="2386500" cy="618600"/>
           </a:xfrm>
           <a:prstGeom prst="rect">
@@ -24705,9 +27431,9 @@
               <a:buNone/>
             </a:pPr>
             <a:r>
-              <a:rPr lang="en" sz="1300">
-                <a:solidFill>
-                  <a:schemeClr val="dk1"/>
+              <a:rPr lang="en" sz="1300" b="1">
+                <a:solidFill>
+                  <a:srgbClr val="FF0000"/>
                 </a:solidFill>
                 <a:latin typeface="Calibri"/>
                 <a:ea typeface="Calibri"/>
@@ -24716,9 +27442,9 @@
               </a:rPr>
               <a:t>Who deploy Rust to Wasm?</a:t>
             </a:r>
-            <a:endParaRPr sz="1300">
+            <a:endParaRPr sz="1300" b="1">
               <a:solidFill>
-                <a:schemeClr val="dk1"/>
+                <a:srgbClr val="FF0000"/>
               </a:solidFill>
               <a:latin typeface="Calibri"/>
               <a:ea typeface="Calibri"/>
@@ -24804,14 +27530,14 @@
       </p:sp>
       <p:sp>
         <p:nvSpPr>
-          <p:cNvPr id="153" name="Google Shape;153;p22"/>
+          <p:cNvPr id="160" name="Google Shape;160;p23"/>
           <p:cNvSpPr txBox="1"/>
           <p:nvPr/>
         </p:nvSpPr>
         <p:spPr>
           <a:xfrm>
-            <a:off x="5065085" y="1397920"/>
-            <a:ext cx="4056000" cy="2050200"/>
+            <a:off x="5186245" y="754188"/>
+            <a:ext cx="2386500" cy="418500"/>
           </a:xfrm>
           <a:prstGeom prst="rect">
             <a:avLst/>
@@ -24845,7 +27571,7 @@
               <a:buNone/>
             </a:pPr>
             <a:r>
-              <a:rPr lang="en" sz="1200" b="1">
+              <a:rPr lang="en" sz="1300" b="1">
                 <a:solidFill>
                   <a:srgbClr val="FF0000"/>
                 </a:solidFill>
@@ -24854,10 +27580,10 @@
                 <a:cs typeface="Calibri"/>
                 <a:sym typeface="Calibri"/>
               </a:rPr>
-              <a:t>Hyperlight</a:t>
-            </a:r>
-            <a:r>
-              <a:rPr lang="en" sz="1200">
+              <a:t>.wat</a:t>
+            </a:r>
+            <a:r>
+              <a:rPr lang="en" sz="1300">
                 <a:solidFill>
                   <a:schemeClr val="dk1"/>
                 </a:solidFill>
@@ -24866,83 +27592,11 @@
                 <a:cs typeface="Calibri"/>
                 <a:sym typeface="Calibri"/>
               </a:rPr>
-              <a:t> is an open source Rust library allowing to </a:t>
-            </a:r>
-            <a:r>
-              <a:rPr lang="en" sz="1200" b="1">
-                <a:solidFill>
-                  <a:srgbClr val="FF0000"/>
-                </a:solidFill>
-                <a:latin typeface="Calibri"/>
-                <a:ea typeface="Calibri"/>
-                <a:cs typeface="Calibri"/>
-                <a:sym typeface="Calibri"/>
-              </a:rPr>
-              <a:t>start </a:t>
-            </a:r>
-            <a:r>
-              <a:rPr lang="en" sz="1200" b="1">
-                <a:solidFill>
-                  <a:srgbClr val="3C78D8"/>
-                </a:solidFill>
-                <a:latin typeface="Calibri"/>
-                <a:ea typeface="Calibri"/>
-                <a:cs typeface="Calibri"/>
-                <a:sym typeface="Calibri"/>
-              </a:rPr>
-              <a:t>microVM</a:t>
-            </a:r>
-            <a:r>
-              <a:rPr lang="en" sz="1200">
-                <a:solidFill>
-                  <a:schemeClr val="dk1"/>
-                </a:solidFill>
-                <a:latin typeface="Calibri"/>
-                <a:ea typeface="Calibri"/>
-                <a:cs typeface="Calibri"/>
-                <a:sym typeface="Calibri"/>
-              </a:rPr>
-              <a:t> (</a:t>
-            </a:r>
-            <a:r>
-              <a:rPr lang="en" sz="1200" b="1">
-                <a:solidFill>
-                  <a:srgbClr val="6AA84F"/>
-                </a:solidFill>
-                <a:latin typeface="Calibri"/>
-                <a:ea typeface="Calibri"/>
-                <a:cs typeface="Calibri"/>
-                <a:sym typeface="Calibri"/>
-              </a:rPr>
-              <a:t>micro Virtual Machines</a:t>
-            </a:r>
-            <a:r>
-              <a:rPr lang="en" sz="1200">
-                <a:solidFill>
-                  <a:schemeClr val="dk1"/>
-                </a:solidFill>
-                <a:latin typeface="Calibri"/>
-                <a:ea typeface="Calibri"/>
-                <a:cs typeface="Calibri"/>
-                <a:sym typeface="Calibri"/>
-              </a:rPr>
-              <a:t>) </a:t>
-            </a:r>
-            <a:r>
-              <a:rPr lang="en" sz="1200" b="1">
-                <a:solidFill>
-                  <a:srgbClr val="FF0000"/>
-                </a:solidFill>
-                <a:latin typeface="Calibri"/>
-                <a:ea typeface="Calibri"/>
-                <a:cs typeface="Calibri"/>
-                <a:sym typeface="Calibri"/>
-              </a:rPr>
-              <a:t>in microseconds</a:t>
-            </a:r>
-            <a:endParaRPr sz="1200" b="1">
+              <a:t> files - text files</a:t>
+            </a:r>
+            <a:endParaRPr sz="1300">
               <a:solidFill>
-                <a:srgbClr val="FF0000"/>
+                <a:schemeClr val="dk1"/>
               </a:solidFill>
               <a:latin typeface="Calibri"/>
               <a:ea typeface="Calibri"/>
@@ -24960,7 +27614,31 @@
               </a:spcAft>
               <a:buNone/>
             </a:pPr>
-            <a:endParaRPr sz="1200">
+            <a:r>
+              <a:rPr lang="en" sz="1300" b="1">
+                <a:solidFill>
+                  <a:srgbClr val="FF0000"/>
+                </a:solidFill>
+                <a:latin typeface="Calibri"/>
+                <a:ea typeface="Calibri"/>
+                <a:cs typeface="Calibri"/>
+                <a:sym typeface="Calibri"/>
+              </a:rPr>
+              <a:t>.wasm</a:t>
+            </a:r>
+            <a:r>
+              <a:rPr lang="en" sz="1300">
+                <a:solidFill>
+                  <a:schemeClr val="dk1"/>
+                </a:solidFill>
+                <a:latin typeface="Calibri"/>
+                <a:ea typeface="Calibri"/>
+                <a:cs typeface="Calibri"/>
+                <a:sym typeface="Calibri"/>
+              </a:rPr>
+              <a:t> files - compact binary files</a:t>
+            </a:r>
+            <a:endParaRPr sz="1300">
               <a:solidFill>
                 <a:schemeClr val="dk1"/>
               </a:solidFill>
@@ -24970,346 +27648,18 @@
               <a:sym typeface="Calibri"/>
             </a:endParaRPr>
           </a:p>
-          <a:p>
-            <a:pPr marL="0" lvl="0" indent="0" algn="l" rtl="0">
-              <a:spcBef>
-                <a:spcPts val="0"/>
-              </a:spcBef>
-              <a:spcAft>
-                <a:spcPts val="0"/>
-              </a:spcAft>
-              <a:buNone/>
-            </a:pPr>
-            <a:r>
-              <a:rPr lang="en" sz="1200">
-                <a:solidFill>
-                  <a:schemeClr val="dk1"/>
-                </a:solidFill>
-                <a:latin typeface="Calibri"/>
-                <a:ea typeface="Calibri"/>
-                <a:cs typeface="Calibri"/>
-                <a:sym typeface="Calibri"/>
-              </a:rPr>
-              <a:t>The main idea is to use Wasm modules to serve as lightweight and sandboxed security modules</a:t>
-            </a:r>
-            <a:br>
-              <a:rPr lang="en" sz="1200">
-                <a:solidFill>
-                  <a:schemeClr val="dk1"/>
-                </a:solidFill>
-                <a:latin typeface="Calibri"/>
-                <a:ea typeface="Calibri"/>
-                <a:cs typeface="Calibri"/>
-                <a:sym typeface="Calibri"/>
-              </a:rPr>
-            </a:br>
-            <a:r>
-              <a:rPr lang="en" sz="1200" b="1">
-                <a:solidFill>
-                  <a:srgbClr val="3C78D8"/>
-                </a:solidFill>
-                <a:latin typeface="Calibri"/>
-                <a:ea typeface="Calibri"/>
-                <a:cs typeface="Calibri"/>
-                <a:sym typeface="Calibri"/>
-              </a:rPr>
-              <a:t>"Microsoft’s Hyperlight WebAssembly for VMs Is Open Source"</a:t>
-            </a:r>
-            <a:br>
-              <a:rPr lang="en" sz="1100">
-                <a:solidFill>
-                  <a:schemeClr val="dk1"/>
-                </a:solidFill>
-                <a:latin typeface="Calibri"/>
-                <a:ea typeface="Calibri"/>
-                <a:cs typeface="Calibri"/>
-                <a:sym typeface="Calibri"/>
-              </a:rPr>
-            </a:br>
-            <a:r>
-              <a:rPr lang="en" sz="900" u="sng">
-                <a:solidFill>
-                  <a:schemeClr val="hlink"/>
-                </a:solidFill>
-                <a:latin typeface="Calibri"/>
-                <a:ea typeface="Calibri"/>
-                <a:cs typeface="Calibri"/>
-                <a:sym typeface="Calibri"/>
-                <a:hlinkClick r:id="rId5"/>
-              </a:rPr>
-              <a:t>https://thenewstack.io/microsofts-hyperlight-webassembly-for-vms-is-open-source/</a:t>
-            </a:r>
-            <a:r>
-              <a:rPr lang="en" sz="900">
-                <a:solidFill>
-                  <a:schemeClr val="dk1"/>
-                </a:solidFill>
-                <a:latin typeface="Calibri"/>
-                <a:ea typeface="Calibri"/>
-                <a:cs typeface="Calibri"/>
-                <a:sym typeface="Calibri"/>
-              </a:rPr>
-              <a:t> </a:t>
-            </a:r>
-            <a:endParaRPr sz="900">
-              <a:solidFill>
-                <a:schemeClr val="dk1"/>
-              </a:solidFill>
-              <a:latin typeface="Calibri"/>
-              <a:ea typeface="Calibri"/>
-              <a:cs typeface="Calibri"/>
-              <a:sym typeface="Calibri"/>
-            </a:endParaRPr>
-          </a:p>
-          <a:p>
-            <a:pPr marL="0" lvl="0" indent="0" algn="l" rtl="0">
-              <a:spcBef>
-                <a:spcPts val="0"/>
-              </a:spcBef>
-              <a:spcAft>
-                <a:spcPts val="0"/>
-              </a:spcAft>
-              <a:buNone/>
-            </a:pPr>
-            <a:endParaRPr sz="900">
-              <a:solidFill>
-                <a:schemeClr val="dk1"/>
-              </a:solidFill>
-              <a:latin typeface="Calibri"/>
-              <a:ea typeface="Calibri"/>
-              <a:cs typeface="Calibri"/>
-              <a:sym typeface="Calibri"/>
-            </a:endParaRPr>
-          </a:p>
-          <a:p>
-            <a:pPr marL="0" lvl="0" indent="0" algn="l" rtl="0">
-              <a:spcBef>
-                <a:spcPts val="0"/>
-              </a:spcBef>
-              <a:spcAft>
-                <a:spcPts val="0"/>
-              </a:spcAft>
-              <a:buNone/>
-            </a:pPr>
-            <a:r>
-              <a:rPr lang="en" sz="1200" b="1">
-                <a:solidFill>
-                  <a:srgbClr val="3C78D8"/>
-                </a:solidFill>
-                <a:latin typeface="Calibri"/>
-                <a:ea typeface="Calibri"/>
-                <a:cs typeface="Calibri"/>
-                <a:sym typeface="Calibri"/>
-              </a:rPr>
-              <a:t>"WASI Preview 2: What WebAssembly Can and Can’t Do Yet"</a:t>
-            </a:r>
-            <a:endParaRPr sz="1200" b="1">
-              <a:solidFill>
-                <a:srgbClr val="3C78D8"/>
-              </a:solidFill>
-              <a:latin typeface="Calibri"/>
-              <a:ea typeface="Calibri"/>
-              <a:cs typeface="Calibri"/>
-              <a:sym typeface="Calibri"/>
-            </a:endParaRPr>
-          </a:p>
-          <a:p>
-            <a:pPr marL="0" lvl="0" indent="0" algn="l" rtl="0">
-              <a:spcBef>
-                <a:spcPts val="0"/>
-              </a:spcBef>
-              <a:spcAft>
-                <a:spcPts val="0"/>
-              </a:spcAft>
-              <a:buNone/>
-            </a:pPr>
-            <a:r>
-              <a:rPr lang="en" sz="900" u="sng">
-                <a:solidFill>
-                  <a:schemeClr val="hlink"/>
-                </a:solidFill>
-                <a:latin typeface="Calibri"/>
-                <a:ea typeface="Calibri"/>
-                <a:cs typeface="Calibri"/>
-                <a:sym typeface="Calibri"/>
-                <a:hlinkClick r:id="rId6"/>
-              </a:rPr>
-              <a:t>https://thenewstack.io/wasi-preview-2-what-webassembly-can-and-cant-do-yet/</a:t>
-            </a:r>
-            <a:r>
-              <a:rPr lang="en" sz="900">
-                <a:solidFill>
-                  <a:schemeClr val="dk1"/>
-                </a:solidFill>
-                <a:latin typeface="Calibri"/>
-                <a:ea typeface="Calibri"/>
-                <a:cs typeface="Calibri"/>
-                <a:sym typeface="Calibri"/>
-              </a:rPr>
-              <a:t> </a:t>
-            </a:r>
-            <a:endParaRPr sz="900">
-              <a:solidFill>
-                <a:schemeClr val="dk1"/>
-              </a:solidFill>
-              <a:latin typeface="Calibri"/>
-              <a:ea typeface="Calibri"/>
-              <a:cs typeface="Calibri"/>
-              <a:sym typeface="Calibri"/>
-            </a:endParaRPr>
-          </a:p>
-          <a:p>
-            <a:pPr marL="0" lvl="0" indent="0" algn="l" rtl="0">
-              <a:spcBef>
-                <a:spcPts val="0"/>
-              </a:spcBef>
-              <a:spcAft>
-                <a:spcPts val="0"/>
-              </a:spcAft>
-              <a:buNone/>
-            </a:pPr>
-            <a:endParaRPr sz="900">
-              <a:solidFill>
-                <a:schemeClr val="dk1"/>
-              </a:solidFill>
-              <a:latin typeface="Calibri"/>
-              <a:ea typeface="Calibri"/>
-              <a:cs typeface="Calibri"/>
-              <a:sym typeface="Calibri"/>
-            </a:endParaRPr>
-          </a:p>
-          <a:p>
-            <a:pPr marL="0" lvl="0" indent="0" algn="l" rtl="0">
-              <a:spcBef>
-                <a:spcPts val="0"/>
-              </a:spcBef>
-              <a:spcAft>
-                <a:spcPts val="0"/>
-              </a:spcAft>
-              <a:buNone/>
-            </a:pPr>
-            <a:r>
-              <a:rPr lang="en" sz="1200" b="1">
-                <a:solidFill>
-                  <a:srgbClr val="3C78D8"/>
-                </a:solidFill>
-                <a:latin typeface="Calibri"/>
-                <a:ea typeface="Calibri"/>
-                <a:cs typeface="Calibri"/>
-                <a:sym typeface="Calibri"/>
-              </a:rPr>
-              <a:t>WASI = WebAssembly System Interface</a:t>
-            </a:r>
-            <a:endParaRPr sz="1200" b="1">
-              <a:solidFill>
-                <a:srgbClr val="3C78D8"/>
-              </a:solidFill>
-              <a:latin typeface="Calibri"/>
-              <a:ea typeface="Calibri"/>
-              <a:cs typeface="Calibri"/>
-              <a:sym typeface="Calibri"/>
-            </a:endParaRPr>
-          </a:p>
         </p:txBody>
       </p:sp>
-    </p:spTree>
-  </p:cSld>
-  <p:clrMapOvr>
-    <a:masterClrMapping/>
-  </p:clrMapOvr>
-</p:sld>
-</file>
-
-<file path=ppt/slides/slide9.xml><?xml version="1.0" encoding="utf-8"?>
-<p:sld xmlns:a="http://schemas.openxmlformats.org/drawingml/2006/main" xmlns:r="http://schemas.openxmlformats.org/officeDocument/2006/relationships" xmlns:p="http://schemas.openxmlformats.org/presentationml/2006/main">
-  <p:cSld>
-    <p:spTree>
-      <p:nvGrpSpPr>
-        <p:cNvPr id="1" name="Shape 157"/>
-        <p:cNvGrpSpPr/>
-        <p:nvPr/>
-      </p:nvGrpSpPr>
-      <p:grpSpPr>
-        <a:xfrm>
-          <a:off x="0" y="0"/>
-          <a:ext cx="0" cy="0"/>
-          <a:chOff x="0" y="0"/>
-          <a:chExt cx="0" cy="0"/>
-        </a:xfrm>
-      </p:grpSpPr>
       <p:sp>
         <p:nvSpPr>
-          <p:cNvPr id="158" name="Google Shape;158;p23"/>
+          <p:cNvPr id="161" name="Google Shape;161;p23"/>
           <p:cNvSpPr txBox="1"/>
           <p:nvPr/>
         </p:nvSpPr>
         <p:spPr>
           <a:xfrm>
-            <a:off x="55075" y="-23450"/>
-            <a:ext cx="3510900" cy="326400"/>
-          </a:xfrm>
-          <a:prstGeom prst="rect">
-            <a:avLst/>
-          </a:prstGeom>
-          <a:noFill/>
-          <a:ln>
-            <a:noFill/>
-          </a:ln>
-        </p:spPr>
-        <p:txBody>
-          <a:bodyPr spcFirstLastPara="1" wrap="square" lIns="9125" tIns="9125" rIns="9125" bIns="9125" anchor="t" anchorCtr="0">
-            <a:spAutoFit/>
-          </a:bodyPr>
-          <a:lstStyle/>
-          <a:p>
-            <a:pPr marL="0" lvl="0" indent="0" algn="l" rtl="0">
-              <a:spcBef>
-                <a:spcPts val="0"/>
-              </a:spcBef>
-              <a:spcAft>
-                <a:spcPts val="0"/>
-              </a:spcAft>
-              <a:buClr>
-                <a:schemeClr val="dk1"/>
-              </a:buClr>
-              <a:buSzPts val="1100"/>
-              <a:buFont typeface="Arial"/>
-              <a:buNone/>
-            </a:pPr>
-            <a:r>
-              <a:rPr lang="en" sz="2000" b="1">
-                <a:solidFill>
-                  <a:schemeClr val="dk1"/>
-                </a:solidFill>
-                <a:latin typeface="Calibri"/>
-                <a:ea typeface="Calibri"/>
-                <a:cs typeface="Calibri"/>
-                <a:sym typeface="Calibri"/>
-              </a:rPr>
-              <a:t>How To Be Productive</a:t>
-            </a:r>
-            <a:endParaRPr sz="2000" b="1">
-              <a:solidFill>
-                <a:schemeClr val="dk1"/>
-              </a:solidFill>
-              <a:latin typeface="Calibri"/>
-              <a:ea typeface="Calibri"/>
-              <a:cs typeface="Calibri"/>
-              <a:sym typeface="Calibri"/>
-            </a:endParaRPr>
-          </a:p>
-        </p:txBody>
-      </p:sp>
-      <p:sp>
-        <p:nvSpPr>
-          <p:cNvPr id="159" name="Google Shape;159;p23"/>
-          <p:cNvSpPr txBox="1"/>
-          <p:nvPr/>
-        </p:nvSpPr>
-        <p:spPr>
-          <a:xfrm>
-            <a:off x="43542" y="364850"/>
-            <a:ext cx="4986900" cy="3020100"/>
+            <a:off x="5100632" y="2502324"/>
+            <a:ext cx="3984900" cy="880500"/>
           </a:xfrm>
           <a:prstGeom prst="rect">
             <a:avLst/>
@@ -25333,377 +27683,375 @@
           </a:bodyPr>
           <a:lstStyle/>
           <a:p>
-            <a:pPr marL="171450" lvl="0" indent="-139700" algn="l" rtl="0">
-              <a:spcBef>
-                <a:spcPts val="0"/>
-              </a:spcBef>
-              <a:spcAft>
-                <a:spcPts val="0"/>
-              </a:spcAft>
-              <a:buClr>
-                <a:schemeClr val="dk1"/>
-              </a:buClr>
-              <a:buSzPts val="1300"/>
-              <a:buFont typeface="Calibri"/>
-              <a:buChar char="●"/>
-            </a:pPr>
-            <a:r>
-              <a:rPr lang="en" sz="1300">
+            <a:pPr marL="0" lvl="0" indent="0" algn="l" rtl="0">
+              <a:spcBef>
+                <a:spcPts val="0"/>
+              </a:spcBef>
+              <a:spcAft>
+                <a:spcPts val="0"/>
+              </a:spcAft>
+              <a:buNone/>
+            </a:pPr>
+            <a:r>
+              <a:rPr lang="en" sz="900" b="1">
+                <a:solidFill>
+                  <a:srgbClr val="6AA84F"/>
+                </a:solidFill>
+                <a:latin typeface="Victor Mono"/>
+                <a:ea typeface="Victor Mono"/>
+                <a:cs typeface="Victor Mono"/>
+                <a:sym typeface="Victor Mono"/>
+              </a:rPr>
+              <a:t>in Javascript:</a:t>
+            </a:r>
+            <a:endParaRPr sz="900" b="1">
+              <a:solidFill>
+                <a:srgbClr val="6AA84F"/>
+              </a:solidFill>
+              <a:latin typeface="Victor Mono"/>
+              <a:ea typeface="Victor Mono"/>
+              <a:cs typeface="Victor Mono"/>
+              <a:sym typeface="Victor Mono"/>
+            </a:endParaRPr>
+          </a:p>
+          <a:p>
+            <a:pPr marL="0" lvl="0" indent="0" algn="l" rtl="0">
+              <a:spcBef>
+                <a:spcPts val="0"/>
+              </a:spcBef>
+              <a:spcAft>
+                <a:spcPts val="0"/>
+              </a:spcAft>
+              <a:buNone/>
+            </a:pPr>
+            <a:endParaRPr sz="1100">
+              <a:solidFill>
+                <a:srgbClr val="ABB2BF"/>
+              </a:solidFill>
+            </a:endParaRPr>
+          </a:p>
+          <a:p>
+            <a:pPr marL="0" lvl="0" indent="0" algn="l" rtl="0">
+              <a:spcBef>
+                <a:spcPts val="0"/>
+              </a:spcBef>
+              <a:spcAft>
+                <a:spcPts val="0"/>
+              </a:spcAft>
+              <a:buNone/>
+            </a:pPr>
+            <a:r>
+              <a:rPr lang="en" sz="900">
+                <a:solidFill>
+                  <a:srgbClr val="D19A66"/>
+                </a:solidFill>
+                <a:latin typeface="Victor Mono"/>
+                <a:ea typeface="Victor Mono"/>
+                <a:cs typeface="Victor Mono"/>
+                <a:sym typeface="Victor Mono"/>
+              </a:rPr>
+              <a:t>WebAssembly</a:t>
+            </a:r>
+            <a:r>
+              <a:rPr lang="en" sz="900">
+                <a:solidFill>
+                  <a:srgbClr val="ABB2BF"/>
+                </a:solidFill>
+                <a:latin typeface="Victor Mono"/>
+                <a:ea typeface="Victor Mono"/>
+                <a:cs typeface="Victor Mono"/>
+                <a:sym typeface="Victor Mono"/>
+              </a:rPr>
+              <a:t>.</a:t>
+            </a:r>
+            <a:r>
+              <a:rPr lang="en" sz="900">
+                <a:solidFill>
+                  <a:srgbClr val="61AFEF"/>
+                </a:solidFill>
+                <a:latin typeface="Victor Mono"/>
+                <a:ea typeface="Victor Mono"/>
+                <a:cs typeface="Victor Mono"/>
+                <a:sym typeface="Victor Mono"/>
+              </a:rPr>
+              <a:t>instantiateStreaming</a:t>
+            </a:r>
+            <a:r>
+              <a:rPr lang="en" sz="900">
+                <a:solidFill>
+                  <a:srgbClr val="ABB2BF"/>
+                </a:solidFill>
+                <a:latin typeface="Victor Mono"/>
+                <a:ea typeface="Victor Mono"/>
+                <a:cs typeface="Victor Mono"/>
+                <a:sym typeface="Victor Mono"/>
+              </a:rPr>
+              <a:t>(</a:t>
+            </a:r>
+            <a:r>
+              <a:rPr lang="en" sz="900">
+                <a:solidFill>
+                  <a:srgbClr val="61AFEF"/>
+                </a:solidFill>
+                <a:latin typeface="Victor Mono"/>
+                <a:ea typeface="Victor Mono"/>
+                <a:cs typeface="Victor Mono"/>
+                <a:sym typeface="Victor Mono"/>
+              </a:rPr>
+              <a:t>fetch</a:t>
+            </a:r>
+            <a:r>
+              <a:rPr lang="en" sz="900">
+                <a:solidFill>
+                  <a:srgbClr val="ABB2BF"/>
+                </a:solidFill>
+                <a:latin typeface="Victor Mono"/>
+                <a:ea typeface="Victor Mono"/>
+                <a:cs typeface="Victor Mono"/>
+                <a:sym typeface="Victor Mono"/>
+              </a:rPr>
+              <a:t>(</a:t>
+            </a:r>
+            <a:r>
+              <a:rPr lang="en" sz="900">
+                <a:solidFill>
+                  <a:srgbClr val="98C379"/>
+                </a:solidFill>
+                <a:latin typeface="Victor Mono"/>
+                <a:ea typeface="Victor Mono"/>
+                <a:cs typeface="Victor Mono"/>
+                <a:sym typeface="Victor Mono"/>
+              </a:rPr>
+              <a:t>'module.wasm'</a:t>
+            </a:r>
+            <a:r>
+              <a:rPr lang="en" sz="900">
+                <a:solidFill>
+                  <a:srgbClr val="ABB2BF"/>
+                </a:solidFill>
+                <a:latin typeface="Victor Mono"/>
+                <a:ea typeface="Victor Mono"/>
+                <a:cs typeface="Victor Mono"/>
+                <a:sym typeface="Victor Mono"/>
+              </a:rPr>
+              <a:t>))</a:t>
+            </a:r>
+            <a:endParaRPr sz="900">
+              <a:solidFill>
+                <a:srgbClr val="ABB2BF"/>
+              </a:solidFill>
+              <a:latin typeface="Victor Mono"/>
+              <a:ea typeface="Victor Mono"/>
+              <a:cs typeface="Victor Mono"/>
+              <a:sym typeface="Victor Mono"/>
+            </a:endParaRPr>
+          </a:p>
+          <a:p>
+            <a:pPr marL="0" lvl="0" indent="0" algn="l" rtl="0">
+              <a:spcBef>
+                <a:spcPts val="0"/>
+              </a:spcBef>
+              <a:spcAft>
+                <a:spcPts val="0"/>
+              </a:spcAft>
+              <a:buNone/>
+            </a:pPr>
+            <a:r>
+              <a:rPr lang="en" sz="900">
                 <a:solidFill>
                   <a:schemeClr val="dk1"/>
                 </a:solidFill>
-                <a:latin typeface="Calibri"/>
-                <a:ea typeface="Calibri"/>
-                <a:cs typeface="Calibri"/>
-                <a:sym typeface="Calibri"/>
-              </a:rPr>
-              <a:t>How To Be SO Productive That It Feels ILLEGAL</a:t>
-            </a:r>
-            <a:br>
-              <a:rPr lang="en" sz="1300">
+                <a:latin typeface="Victor Mono"/>
+                <a:ea typeface="Victor Mono"/>
+                <a:cs typeface="Victor Mono"/>
+                <a:sym typeface="Victor Mono"/>
+              </a:rPr>
+              <a:t>    </a:t>
+            </a:r>
+            <a:r>
+              <a:rPr lang="en" sz="900">
+                <a:solidFill>
+                  <a:srgbClr val="ABB2BF"/>
+                </a:solidFill>
+                <a:latin typeface="Victor Mono"/>
+                <a:ea typeface="Victor Mono"/>
+                <a:cs typeface="Victor Mono"/>
+                <a:sym typeface="Victor Mono"/>
+              </a:rPr>
+              <a:t>.</a:t>
+            </a:r>
+            <a:r>
+              <a:rPr lang="en" sz="900">
+                <a:solidFill>
+                  <a:srgbClr val="61AFEF"/>
+                </a:solidFill>
+                <a:latin typeface="Victor Mono"/>
+                <a:ea typeface="Victor Mono"/>
+                <a:cs typeface="Victor Mono"/>
+                <a:sym typeface="Victor Mono"/>
+              </a:rPr>
+              <a:t>then</a:t>
+            </a:r>
+            <a:r>
+              <a:rPr lang="en" sz="900">
+                <a:solidFill>
+                  <a:srgbClr val="ABB2BF"/>
+                </a:solidFill>
+                <a:latin typeface="Victor Mono"/>
+                <a:ea typeface="Victor Mono"/>
+                <a:cs typeface="Victor Mono"/>
+                <a:sym typeface="Victor Mono"/>
+              </a:rPr>
+              <a:t>(</a:t>
+            </a:r>
+            <a:r>
+              <a:rPr lang="en" sz="900">
                 <a:solidFill>
                   <a:schemeClr val="dk1"/>
                 </a:solidFill>
-                <a:latin typeface="Calibri"/>
-                <a:ea typeface="Calibri"/>
-                <a:cs typeface="Calibri"/>
-                <a:sym typeface="Calibri"/>
-              </a:rPr>
-            </a:br>
-            <a:r>
-              <a:rPr lang="en" sz="1300" u="sng">
-                <a:solidFill>
-                  <a:schemeClr val="hlink"/>
-                </a:solidFill>
-                <a:latin typeface="Calibri"/>
-                <a:ea typeface="Calibri"/>
-                <a:cs typeface="Calibri"/>
-                <a:sym typeface="Calibri"/>
-                <a:hlinkClick r:id="rId3"/>
-              </a:rPr>
-              <a:t>https://www.youtube.com/watch?v=4FXScrmYKQ0</a:t>
-            </a:r>
-            <a:r>
-              <a:rPr lang="en" sz="1300">
+                <a:latin typeface="Victor Mono"/>
+                <a:ea typeface="Victor Mono"/>
+                <a:cs typeface="Victor Mono"/>
+                <a:sym typeface="Victor Mono"/>
+              </a:rPr>
+              <a:t>obj </a:t>
+            </a:r>
+            <a:r>
+              <a:rPr lang="en" sz="900">
+                <a:solidFill>
+                  <a:srgbClr val="61AFEF"/>
+                </a:solidFill>
+                <a:latin typeface="Victor Mono"/>
+                <a:ea typeface="Victor Mono"/>
+                <a:cs typeface="Victor Mono"/>
+                <a:sym typeface="Victor Mono"/>
+              </a:rPr>
+              <a:t>=&gt;</a:t>
+            </a:r>
+            <a:r>
+              <a:rPr lang="en" sz="900">
                 <a:solidFill>
                   <a:schemeClr val="dk1"/>
                 </a:solidFill>
-                <a:latin typeface="Calibri"/>
-                <a:ea typeface="Calibri"/>
-                <a:cs typeface="Calibri"/>
-                <a:sym typeface="Calibri"/>
+                <a:latin typeface="Victor Mono"/>
+                <a:ea typeface="Victor Mono"/>
+                <a:cs typeface="Victor Mono"/>
+                <a:sym typeface="Victor Mono"/>
               </a:rPr>
               <a:t> </a:t>
             </a:r>
-            <a:endParaRPr sz="1300">
+            <a:r>
+              <a:rPr lang="en" sz="900">
+                <a:solidFill>
+                  <a:srgbClr val="ABB2BF"/>
+                </a:solidFill>
+                <a:latin typeface="Victor Mono"/>
+                <a:ea typeface="Victor Mono"/>
+                <a:cs typeface="Victor Mono"/>
+                <a:sym typeface="Victor Mono"/>
+              </a:rPr>
+              <a:t>{</a:t>
+            </a:r>
+            <a:r>
+              <a:rPr lang="en" sz="900">
+                <a:solidFill>
+                  <a:schemeClr val="dk1"/>
+                </a:solidFill>
+                <a:latin typeface="Victor Mono"/>
+                <a:ea typeface="Victor Mono"/>
+                <a:cs typeface="Victor Mono"/>
+                <a:sym typeface="Victor Mono"/>
+              </a:rPr>
+              <a:t> </a:t>
+            </a:r>
+            <a:endParaRPr sz="900">
               <a:solidFill>
                 <a:schemeClr val="dk1"/>
               </a:solidFill>
-              <a:latin typeface="Calibri"/>
-              <a:ea typeface="Calibri"/>
-              <a:cs typeface="Calibri"/>
-              <a:sym typeface="Calibri"/>
+              <a:latin typeface="Victor Mono"/>
+              <a:ea typeface="Victor Mono"/>
+              <a:cs typeface="Victor Mono"/>
+              <a:sym typeface="Victor Mono"/>
             </a:endParaRPr>
           </a:p>
           <a:p>
-            <a:pPr marL="171450" lvl="0" indent="-139700" algn="l" rtl="0">
-              <a:spcBef>
-                <a:spcPts val="0"/>
-              </a:spcBef>
-              <a:spcAft>
-                <a:spcPts val="0"/>
-              </a:spcAft>
-              <a:buClr>
-                <a:schemeClr val="dk1"/>
-              </a:buClr>
-              <a:buSzPts val="1300"/>
-              <a:buFont typeface="Calibri"/>
-              <a:buChar char="●"/>
-            </a:pPr>
-            <a:r>
-              <a:rPr lang="en" sz="1300">
+            <a:pPr marL="0" lvl="0" indent="0" algn="l" rtl="0">
+              <a:spcBef>
+                <a:spcPts val="0"/>
+              </a:spcBef>
+              <a:spcAft>
+                <a:spcPts val="0"/>
+              </a:spcAft>
+              <a:buNone/>
+            </a:pPr>
+            <a:r>
+              <a:rPr lang="en" sz="900" i="1">
+                <a:solidFill>
+                  <a:srgbClr val="5C6370"/>
+                </a:solidFill>
+                <a:latin typeface="Victor Mono"/>
+                <a:ea typeface="Victor Mono"/>
+                <a:cs typeface="Victor Mono"/>
+                <a:sym typeface="Victor Mono"/>
+              </a:rPr>
+              <a:t>         // Use the WebAssembly instance</a:t>
+            </a:r>
+            <a:r>
+              <a:rPr lang="en" sz="900">
                 <a:solidFill>
                   <a:schemeClr val="dk1"/>
                 </a:solidFill>
-                <a:latin typeface="Calibri"/>
-                <a:ea typeface="Calibri"/>
-                <a:cs typeface="Calibri"/>
-                <a:sym typeface="Calibri"/>
-              </a:rPr>
-              <a:t>Justin Sung's video explains how to reach "illegal" levels of productivity. </a:t>
-            </a:r>
-            <a:endParaRPr sz="1300">
+                <a:latin typeface="Victor Mono"/>
+                <a:ea typeface="Victor Mono"/>
+                <a:cs typeface="Victor Mono"/>
+                <a:sym typeface="Victor Mono"/>
+              </a:rPr>
+              <a:t> </a:t>
+            </a:r>
+            <a:endParaRPr sz="900">
               <a:solidFill>
                 <a:schemeClr val="dk1"/>
               </a:solidFill>
-              <a:latin typeface="Calibri"/>
-              <a:ea typeface="Calibri"/>
-              <a:cs typeface="Calibri"/>
-              <a:sym typeface="Calibri"/>
+              <a:latin typeface="Victor Mono"/>
+              <a:ea typeface="Victor Mono"/>
+              <a:cs typeface="Victor Mono"/>
+              <a:sym typeface="Victor Mono"/>
             </a:endParaRPr>
           </a:p>
           <a:p>
-            <a:pPr marL="171450" lvl="0" indent="-139700" algn="l" rtl="0">
-              <a:spcBef>
-                <a:spcPts val="0"/>
-              </a:spcBef>
-              <a:spcAft>
-                <a:spcPts val="0"/>
-              </a:spcAft>
-              <a:buClr>
-                <a:schemeClr val="dk1"/>
-              </a:buClr>
-              <a:buSzPts val="1300"/>
-              <a:buFont typeface="Calibri"/>
-              <a:buChar char="●"/>
-            </a:pPr>
-            <a:r>
-              <a:rPr lang="en" sz="1300">
-                <a:solidFill>
-                  <a:schemeClr val="dk1"/>
-                </a:solidFill>
-                <a:latin typeface="Calibri"/>
-                <a:ea typeface="Calibri"/>
-                <a:cs typeface="Calibri"/>
-                <a:sym typeface="Calibri"/>
-              </a:rPr>
-              <a:t>Pareto Principle (80/20 rule) squared: find 20% of 20% = 4% (for 64%)</a:t>
-            </a:r>
-            <a:endParaRPr sz="1300">
+            <a:pPr marL="0" lvl="0" indent="0" algn="l" rtl="0">
+              <a:spcBef>
+                <a:spcPts val="0"/>
+              </a:spcBef>
+              <a:spcAft>
+                <a:spcPts val="0"/>
+              </a:spcAft>
+              <a:buNone/>
+            </a:pPr>
+            <a:r>
+              <a:rPr lang="en" sz="900">
+                <a:solidFill>
+                  <a:srgbClr val="ABB2BF"/>
+                </a:solidFill>
+                <a:latin typeface="Victor Mono"/>
+                <a:ea typeface="Victor Mono"/>
+                <a:cs typeface="Victor Mono"/>
+                <a:sym typeface="Victor Mono"/>
+              </a:rPr>
+              <a:t>    };</a:t>
+            </a:r>
+            <a:endParaRPr sz="900">
               <a:solidFill>
-                <a:schemeClr val="dk1"/>
+                <a:srgbClr val="ABB2BF"/>
               </a:solidFill>
-              <a:latin typeface="Calibri"/>
-              <a:ea typeface="Calibri"/>
-              <a:cs typeface="Calibri"/>
-              <a:sym typeface="Calibri"/>
-            </a:endParaRPr>
-          </a:p>
-          <a:p>
-            <a:pPr marL="171450" lvl="0" indent="-139700" algn="l" rtl="0">
-              <a:spcBef>
-                <a:spcPts val="0"/>
-              </a:spcBef>
-              <a:spcAft>
-                <a:spcPts val="0"/>
-              </a:spcAft>
-              <a:buClr>
-                <a:schemeClr val="dk1"/>
-              </a:buClr>
-              <a:buSzPts val="1300"/>
-              <a:buFont typeface="Calibri"/>
-              <a:buChar char="●"/>
-            </a:pPr>
-            <a:r>
-              <a:rPr lang="en" sz="1300">
-                <a:solidFill>
-                  <a:schemeClr val="dk1"/>
-                </a:solidFill>
-                <a:latin typeface="Calibri"/>
-                <a:ea typeface="Calibri"/>
-                <a:cs typeface="Calibri"/>
-                <a:sym typeface="Calibri"/>
-              </a:rPr>
-              <a:t>The Zeigarnik effect - </a:t>
-            </a:r>
-            <a:r>
-              <a:rPr lang="en" sz="1300" u="sng">
-                <a:solidFill>
-                  <a:schemeClr val="hlink"/>
-                </a:solidFill>
-                <a:latin typeface="Calibri"/>
-                <a:ea typeface="Calibri"/>
-                <a:cs typeface="Calibri"/>
-                <a:sym typeface="Calibri"/>
-                <a:hlinkClick r:id="rId4"/>
-              </a:rPr>
-              <a:t>https://en.wikipedia.org/wiki/Zeigarnik_effect</a:t>
-            </a:r>
-            <a:br>
-              <a:rPr lang="en" sz="1300">
-                <a:solidFill>
-                  <a:schemeClr val="dk1"/>
-                </a:solidFill>
-                <a:latin typeface="Calibri"/>
-                <a:ea typeface="Calibri"/>
-                <a:cs typeface="Calibri"/>
-                <a:sym typeface="Calibri"/>
-              </a:rPr>
-            </a:br>
-            <a:r>
-              <a:rPr lang="en" sz="1300">
-                <a:solidFill>
-                  <a:schemeClr val="dk1"/>
-                </a:solidFill>
-                <a:latin typeface="Calibri"/>
-                <a:ea typeface="Calibri"/>
-                <a:cs typeface="Calibri"/>
-                <a:sym typeface="Calibri"/>
-              </a:rPr>
-              <a:t>students who suspend their study to perform unrelated activities (such as studying a different subject or playing a game), will remember material better than students who complete study sessions without a break. By deliberately starting tasks without the intention of finishing them, we reduce the friction of starting and increase motivation.</a:t>
-            </a:r>
-            <a:endParaRPr sz="1300">
-              <a:solidFill>
-                <a:schemeClr val="dk1"/>
-              </a:solidFill>
-              <a:latin typeface="Calibri"/>
-              <a:ea typeface="Calibri"/>
-              <a:cs typeface="Calibri"/>
-              <a:sym typeface="Calibri"/>
-            </a:endParaRPr>
-          </a:p>
-          <a:p>
-            <a:pPr marL="171450" lvl="0" indent="-139700" algn="l" rtl="0">
-              <a:spcBef>
-                <a:spcPts val="0"/>
-              </a:spcBef>
-              <a:spcAft>
-                <a:spcPts val="0"/>
-              </a:spcAft>
-              <a:buClr>
-                <a:schemeClr val="dk1"/>
-              </a:buClr>
-              <a:buSzPts val="1300"/>
-              <a:buFont typeface="Calibri"/>
-              <a:buChar char="●"/>
-            </a:pPr>
-            <a:r>
-              <a:rPr lang="en" sz="1300">
-                <a:solidFill>
-                  <a:schemeClr val="dk1"/>
-                </a:solidFill>
-                <a:latin typeface="Calibri"/>
-                <a:ea typeface="Calibri"/>
-                <a:cs typeface="Calibri"/>
-                <a:sym typeface="Calibri"/>
-              </a:rPr>
-              <a:t>Zeigarnik effect started; getting started on getting started (prepare) </a:t>
-            </a:r>
-            <a:endParaRPr sz="1300">
-              <a:solidFill>
-                <a:schemeClr val="dk1"/>
-              </a:solidFill>
-              <a:latin typeface="Calibri"/>
-              <a:ea typeface="Calibri"/>
-              <a:cs typeface="Calibri"/>
-              <a:sym typeface="Calibri"/>
-            </a:endParaRPr>
-          </a:p>
-          <a:p>
-            <a:pPr marL="171450" lvl="0" indent="-139700" algn="l" rtl="0">
-              <a:spcBef>
-                <a:spcPts val="0"/>
-              </a:spcBef>
-              <a:spcAft>
-                <a:spcPts val="0"/>
-              </a:spcAft>
-              <a:buClr>
-                <a:schemeClr val="dk1"/>
-              </a:buClr>
-              <a:buSzPts val="1300"/>
-              <a:buFont typeface="Calibri"/>
-              <a:buChar char="●"/>
-            </a:pPr>
-            <a:r>
-              <a:rPr lang="en" sz="1300">
-                <a:solidFill>
-                  <a:schemeClr val="dk1"/>
-                </a:solidFill>
-                <a:latin typeface="Calibri"/>
-                <a:ea typeface="Calibri"/>
-                <a:cs typeface="Calibri"/>
-                <a:sym typeface="Calibri"/>
-              </a:rPr>
-              <a:t>"Championship Mentality," emphasizing the importance of focusing on long-term goals rather than short-term wins. </a:t>
-            </a:r>
-            <a:endParaRPr sz="1300">
-              <a:solidFill>
-                <a:schemeClr val="dk1"/>
-              </a:solidFill>
-              <a:latin typeface="Calibri"/>
-              <a:ea typeface="Calibri"/>
-              <a:cs typeface="Calibri"/>
-              <a:sym typeface="Calibri"/>
-            </a:endParaRPr>
-          </a:p>
-          <a:p>
-            <a:pPr marL="171450" lvl="0" indent="-139700" algn="l" rtl="0">
-              <a:spcBef>
-                <a:spcPts val="0"/>
-              </a:spcBef>
-              <a:spcAft>
-                <a:spcPts val="0"/>
-              </a:spcAft>
-              <a:buClr>
-                <a:schemeClr val="dk1"/>
-              </a:buClr>
-              <a:buSzPts val="1300"/>
-              <a:buFont typeface="Calibri"/>
-              <a:buChar char="●"/>
-            </a:pPr>
-            <a:r>
-              <a:rPr lang="en" sz="1300">
-                <a:solidFill>
-                  <a:schemeClr val="dk1"/>
-                </a:solidFill>
-                <a:latin typeface="Calibri"/>
-                <a:ea typeface="Calibri"/>
-                <a:cs typeface="Calibri"/>
-                <a:sym typeface="Calibri"/>
-              </a:rPr>
-              <a:t>So: plan and prioritize, break down tasks, think long term, use technology, take care of yourself, recover</a:t>
-            </a:r>
-            <a:endParaRPr sz="1300">
-              <a:solidFill>
-                <a:schemeClr val="dk1"/>
-              </a:solidFill>
-              <a:latin typeface="Calibri"/>
-              <a:ea typeface="Calibri"/>
-              <a:cs typeface="Calibri"/>
-              <a:sym typeface="Calibri"/>
+              <a:latin typeface="Victor Mono"/>
+              <a:ea typeface="Victor Mono"/>
+              <a:cs typeface="Victor Mono"/>
+              <a:sym typeface="Victor Mono"/>
             </a:endParaRPr>
           </a:p>
         </p:txBody>
       </p:sp>
-      <p:pic>
-        <p:nvPicPr>
-          <p:cNvPr id="160" name="Google Shape;160;p23"/>
-          <p:cNvPicPr preferRelativeResize="0"/>
-          <p:nvPr/>
-        </p:nvPicPr>
-        <p:blipFill>
-          <a:blip r:embed="rId5" cstate="email">
-            <a:alphaModFix/>
-            <a:extLst>
-              <a:ext uri="{28A0092B-C50C-407E-A947-70E740481C1C}">
-                <a14:useLocalDpi xmlns:a14="http://schemas.microsoft.com/office/drawing/2010/main"/>
-              </a:ext>
-            </a:extLst>
-          </a:blip>
-          <a:stretch>
-            <a:fillRect/>
-          </a:stretch>
-        </p:blipFill>
-        <p:spPr>
-          <a:xfrm>
-            <a:off x="5182847" y="364850"/>
-            <a:ext cx="2143625" cy="2186950"/>
-          </a:xfrm>
-          <a:prstGeom prst="rect">
-            <a:avLst/>
-          </a:prstGeom>
-          <a:noFill/>
-          <a:ln w="9525" cap="flat" cmpd="sng">
-            <a:solidFill>
-              <a:srgbClr val="FF0000"/>
-            </a:solidFill>
-            <a:prstDash val="solid"/>
-            <a:round/>
-            <a:headEnd type="none" w="sm" len="sm"/>
-            <a:tailEnd type="none" w="sm" len="sm"/>
-          </a:ln>
-        </p:spPr>
-      </p:pic>
     </p:spTree>
   </p:cSld>
   <p:clrMapOvr>
